--- a/CS3340 - Computer Architecture/hw5/mgm160130.pptx
+++ b/CS3340 - Computer Architecture/hw5/mgm160130.pptx
@@ -13,6 +13,10 @@
     <p:sldId id="261" r:id="rId7"/>
     <p:sldId id="262" r:id="rId8"/>
     <p:sldId id="263" r:id="rId9"/>
+    <p:sldId id="265" r:id="rId10"/>
+    <p:sldId id="264" r:id="rId11"/>
+    <p:sldId id="266" r:id="rId12"/>
+    <p:sldId id="267" r:id="rId13"/>
   </p:sldIdLst>
   <p:sldSz cx="12192000" cy="6858000"/>
   <p:notesSz cx="6858000" cy="9144000"/>
@@ -124,12 +128,23 @@
             <p14:sldId id="261"/>
             <p14:sldId id="262"/>
             <p14:sldId id="263"/>
+            <p14:sldId id="265"/>
+            <p14:sldId id="264"/>
+            <p14:sldId id="266"/>
+            <p14:sldId id="267"/>
           </p14:sldIdLst>
         </p14:section>
       </p14:sectionLst>
     </p:ext>
+    <p:ext uri="{EFAFB233-063F-42B5-8137-9DF3F51BA10A}">
+      <p15:sldGuideLst xmlns:p15="http://schemas.microsoft.com/office/powerpoint/2012/main"/>
+    </p:ext>
   </p:extLst>
 </p:presentation>
+</file>
+
+<file path=ppt/revisionInfo.xml><?xml version="1.0" encoding="utf-8"?>
+<p1510:revInfo xmlns:a="http://schemas.openxmlformats.org/drawingml/2006/main" xmlns:r="http://schemas.openxmlformats.org/officeDocument/2006/relationships" xmlns:p1510="http://schemas.microsoft.com/office/powerpoint/2015/10/main"/>
 </file>
 
 <file path=ppt/slideLayouts/slideLayout1.xml><?xml version="1.0" encoding="utf-8"?>
@@ -321,7 +336,7 @@
             <a:fld id="{B61BEF0D-F0BB-DE4B-95CE-6DB70DBA9567}" type="datetimeFigureOut">
               <a:rPr lang="en-US" dirty="0"/>
               <a:pPr/>
-              <a:t>10/26/2017</a:t>
+              <a:t>10/27/2017</a:t>
             </a:fld>
             <a:endParaRPr lang="en-US" dirty="0"/>
           </a:p>
@@ -656,7 +671,7 @@
             <a:fld id="{B61BEF0D-F0BB-DE4B-95CE-6DB70DBA9567}" type="datetimeFigureOut">
               <a:rPr lang="en-US" dirty="0"/>
               <a:pPr/>
-              <a:t>10/26/2017</a:t>
+              <a:t>10/27/2017</a:t>
             </a:fld>
             <a:endParaRPr lang="en-US" dirty="0"/>
           </a:p>
@@ -1054,7 +1069,7 @@
             <a:fld id="{B61BEF0D-F0BB-DE4B-95CE-6DB70DBA9567}" type="datetimeFigureOut">
               <a:rPr lang="en-US" dirty="0"/>
               <a:pPr/>
-              <a:t>10/26/2017</a:t>
+              <a:t>10/27/2017</a:t>
             </a:fld>
             <a:endParaRPr lang="en-US" dirty="0"/>
           </a:p>
@@ -1387,7 +1402,7 @@
             <a:fld id="{B61BEF0D-F0BB-DE4B-95CE-6DB70DBA9567}" type="datetimeFigureOut">
               <a:rPr lang="en-US" dirty="0"/>
               <a:pPr/>
-              <a:t>10/26/2017</a:t>
+              <a:t>10/27/2017</a:t>
             </a:fld>
             <a:endParaRPr lang="en-US" dirty="0"/>
           </a:p>
@@ -1704,7 +1719,7 @@
             <a:fld id="{B61BEF0D-F0BB-DE4B-95CE-6DB70DBA9567}" type="datetimeFigureOut">
               <a:rPr lang="en-US" dirty="0"/>
               <a:pPr/>
-              <a:t>10/26/2017</a:t>
+              <a:t>10/27/2017</a:t>
             </a:fld>
             <a:endParaRPr lang="en-US" dirty="0"/>
           </a:p>
@@ -2097,7 +2112,7 @@
             <a:fld id="{B61BEF0D-F0BB-DE4B-95CE-6DB70DBA9567}" type="datetimeFigureOut">
               <a:rPr lang="en-US" dirty="0"/>
               <a:pPr/>
-              <a:t>10/26/2017</a:t>
+              <a:t>10/27/2017</a:t>
             </a:fld>
             <a:endParaRPr lang="en-US" dirty="0"/>
           </a:p>
@@ -2351,7 +2366,7 @@
             <a:fld id="{B61BEF0D-F0BB-DE4B-95CE-6DB70DBA9567}" type="datetimeFigureOut">
               <a:rPr lang="en-US" dirty="0"/>
               <a:pPr/>
-              <a:t>10/26/2017</a:t>
+              <a:t>10/27/2017</a:t>
             </a:fld>
             <a:endParaRPr lang="en-US" dirty="0"/>
           </a:p>
@@ -2610,7 +2625,7 @@
             <a:fld id="{B61BEF0D-F0BB-DE4B-95CE-6DB70DBA9567}" type="datetimeFigureOut">
               <a:rPr lang="en-US" dirty="0"/>
               <a:pPr/>
-              <a:t>10/26/2017</a:t>
+              <a:t>10/27/2017</a:t>
             </a:fld>
             <a:endParaRPr lang="en-US" dirty="0"/>
           </a:p>
@@ -2869,7 +2884,7 @@
             <a:fld id="{B61BEF0D-F0BB-DE4B-95CE-6DB70DBA9567}" type="datetimeFigureOut">
               <a:rPr lang="en-US" dirty="0"/>
               <a:pPr/>
-              <a:t>10/26/2017</a:t>
+              <a:t>10/27/2017</a:t>
             </a:fld>
             <a:endParaRPr lang="en-US" dirty="0"/>
           </a:p>
@@ -3195,7 +3210,7 @@
             <a:fld id="{B61BEF0D-F0BB-DE4B-95CE-6DB70DBA9567}" type="datetimeFigureOut">
               <a:rPr lang="en-US" dirty="0"/>
               <a:pPr/>
-              <a:t>10/26/2017</a:t>
+              <a:t>10/27/2017</a:t>
             </a:fld>
             <a:endParaRPr lang="en-US" dirty="0"/>
           </a:p>
@@ -3515,7 +3530,7 @@
             <a:fld id="{B61BEF0D-F0BB-DE4B-95CE-6DB70DBA9567}" type="datetimeFigureOut">
               <a:rPr lang="en-US" dirty="0"/>
               <a:pPr/>
-              <a:t>10/26/2017</a:t>
+              <a:t>10/27/2017</a:t>
             </a:fld>
             <a:endParaRPr lang="en-US" dirty="0"/>
           </a:p>
@@ -3969,7 +3984,7 @@
             <a:fld id="{B61BEF0D-F0BB-DE4B-95CE-6DB70DBA9567}" type="datetimeFigureOut">
               <a:rPr lang="en-US" dirty="0"/>
               <a:pPr/>
-              <a:t>10/26/2017</a:t>
+              <a:t>10/27/2017</a:t>
             </a:fld>
             <a:endParaRPr lang="en-US" dirty="0"/>
           </a:p>
@@ -4171,7 +4186,7 @@
             <a:fld id="{B61BEF0D-F0BB-DE4B-95CE-6DB70DBA9567}" type="datetimeFigureOut">
               <a:rPr lang="en-US" dirty="0"/>
               <a:pPr/>
-              <a:t>10/26/2017</a:t>
+              <a:t>10/27/2017</a:t>
             </a:fld>
             <a:endParaRPr lang="en-US" dirty="0"/>
           </a:p>
@@ -4345,7 +4360,7 @@
             <a:fld id="{B61BEF0D-F0BB-DE4B-95CE-6DB70DBA9567}" type="datetimeFigureOut">
               <a:rPr lang="en-US" dirty="0"/>
               <a:pPr/>
-              <a:t>10/26/2017</a:t>
+              <a:t>10/27/2017</a:t>
             </a:fld>
             <a:endParaRPr lang="en-US" dirty="0"/>
           </a:p>
@@ -4675,7 +4690,7 @@
             <a:fld id="{B61BEF0D-F0BB-DE4B-95CE-6DB70DBA9567}" type="datetimeFigureOut">
               <a:rPr lang="en-US" dirty="0"/>
               <a:pPr/>
-              <a:t>10/26/2017</a:t>
+              <a:t>10/27/2017</a:t>
             </a:fld>
             <a:endParaRPr lang="en-US" dirty="0"/>
           </a:p>
@@ -5017,7 +5032,7 @@
             <a:fld id="{B61BEF0D-F0BB-DE4B-95CE-6DB70DBA9567}" type="datetimeFigureOut">
               <a:rPr lang="en-US" dirty="0"/>
               <a:pPr/>
-              <a:t>10/26/2017</a:t>
+              <a:t>10/27/2017</a:t>
             </a:fld>
             <a:endParaRPr lang="en-US" dirty="0"/>
           </a:p>
@@ -7068,7 +7083,7 @@
             <a:fld id="{B61BEF0D-F0BB-DE4B-95CE-6DB70DBA9567}" type="datetimeFigureOut">
               <a:rPr lang="en-US" dirty="0"/>
               <a:pPr/>
-              <a:t>10/26/2017</a:t>
+              <a:t>10/27/2017</a:t>
             </a:fld>
             <a:endParaRPr lang="en-US" dirty="0"/>
           </a:p>
@@ -7656,6 +7671,467 @@
   <p:clrMapOvr>
     <a:masterClrMapping/>
   </p:clrMapOvr>
+  <mc:AlternateContent xmlns:mc="http://schemas.openxmlformats.org/markup-compatibility/2006">
+    <mc:Choice xmlns:p14="http://schemas.microsoft.com/office/powerpoint/2010/main" Requires="p14">
+      <p:transition p14:dur="10"/>
+    </mc:Choice>
+    <mc:Fallback>
+      <p:transition/>
+    </mc:Fallback>
+  </mc:AlternateContent>
+</p:sld>
+</file>
+
+<file path=ppt/slides/slide10.xml><?xml version="1.0" encoding="utf-8"?>
+<p:sld xmlns:a="http://schemas.openxmlformats.org/drawingml/2006/main" xmlns:r="http://schemas.openxmlformats.org/officeDocument/2006/relationships" xmlns:p="http://schemas.openxmlformats.org/presentationml/2006/main">
+  <p:cSld>
+    <p:spTree>
+      <p:nvGrpSpPr>
+        <p:cNvPr id="1" name=""/>
+        <p:cNvGrpSpPr/>
+        <p:nvPr/>
+      </p:nvGrpSpPr>
+      <p:grpSpPr>
+        <a:xfrm>
+          <a:off x="0" y="0"/>
+          <a:ext cx="0" cy="0"/>
+          <a:chOff x="0" y="0"/>
+          <a:chExt cx="0" cy="0"/>
+        </a:xfrm>
+      </p:grpSpPr>
+      <p:sp>
+        <p:nvSpPr>
+          <p:cNvPr id="2" name="Title 1">
+            <a:extLst>
+              <a:ext uri="{FF2B5EF4-FFF2-40B4-BE49-F238E27FC236}">
+                <a16:creationId xmlns:a16="http://schemas.microsoft.com/office/drawing/2014/main" id="{A30240F2-F9D7-4ECA-B516-078C804E5688}"/>
+              </a:ext>
+            </a:extLst>
+          </p:cNvPr>
+          <p:cNvSpPr>
+            <a:spLocks noGrp="1"/>
+          </p:cNvSpPr>
+          <p:nvPr>
+            <p:ph type="title"/>
+          </p:nvPr>
+        </p:nvSpPr>
+        <p:spPr/>
+        <p:txBody>
+          <a:bodyPr/>
+          <a:lstStyle/>
+          <a:p>
+            <a:r>
+              <a:rPr lang="en-US" dirty="0"/>
+              <a:t>How Does It Work?:</a:t>
+            </a:r>
+            <a:br>
+              <a:rPr lang="en-US" dirty="0"/>
+            </a:br>
+            <a:r>
+              <a:rPr lang="en-US" dirty="0"/>
+              <a:t>[IOI and IOC] vs [OOI and OOC]</a:t>
+            </a:r>
+          </a:p>
+        </p:txBody>
+      </p:sp>
+      <p:sp>
+        <p:nvSpPr>
+          <p:cNvPr id="3" name="Content Placeholder 2">
+            <a:extLst>
+              <a:ext uri="{FF2B5EF4-FFF2-40B4-BE49-F238E27FC236}">
+                <a16:creationId xmlns:a16="http://schemas.microsoft.com/office/drawing/2014/main" id="{3A04F889-FADF-448E-A8AE-803ECDCA6BD6}"/>
+              </a:ext>
+            </a:extLst>
+          </p:cNvPr>
+          <p:cNvSpPr>
+            <a:spLocks noGrp="1"/>
+          </p:cNvSpPr>
+          <p:nvPr>
+            <p:ph idx="1"/>
+          </p:nvPr>
+        </p:nvSpPr>
+        <p:spPr/>
+        <p:txBody>
+          <a:bodyPr>
+            <a:normAutofit fontScale="92500"/>
+          </a:bodyPr>
+          <a:lstStyle/>
+          <a:p>
+            <a:r>
+              <a:rPr lang="en-US" u="sng" dirty="0"/>
+              <a:t>In-Order Issue(IOI)</a:t>
+            </a:r>
+            <a:r>
+              <a:rPr lang="en-US" dirty="0"/>
+              <a:t> and </a:t>
+            </a:r>
+            <a:r>
+              <a:rPr lang="en-US" u="sng" dirty="0"/>
+              <a:t>In-Order Completion(IOC)</a:t>
+            </a:r>
+            <a:r>
+              <a:rPr lang="en-US" dirty="0"/>
+              <a:t> follows the standard program order, and is completed in the same order (with parallel issue and completion). To guarantee results, the processor will wait when a conflict occurs and when a unit requires more than one cycle to execute. This method is not very efficient, but it simplifies the hardware requirements.</a:t>
+            </a:r>
+          </a:p>
+          <a:p>
+            <a:endParaRPr lang="en-US" u="sng" dirty="0"/>
+          </a:p>
+          <a:p>
+            <a:r>
+              <a:rPr lang="en-US" u="sng" dirty="0"/>
+              <a:t>Out-Of-Order Issue(OOI) </a:t>
+            </a:r>
+            <a:r>
+              <a:rPr lang="en-US" dirty="0"/>
+              <a:t>and </a:t>
+            </a:r>
+            <a:r>
+              <a:rPr lang="en-US" u="sng" dirty="0"/>
+              <a:t>Out-Of-Order Completion (OOC)</a:t>
+            </a:r>
+            <a:r>
+              <a:rPr lang="en-US" dirty="0"/>
+              <a:t> are the main reasons why superscalar architecture is efficient. With in-order issues, no new instruction can be introduced when the processor has detected a conflict, and the processor waits until the conflict has been resolved. However, with out-of-order completion you don’t have to rely on a compiler based technique. Instead, you can take a set of decoded instructions, in any order, and issue any of them as long as the program execution is correct.</a:t>
+            </a:r>
+          </a:p>
+          <a:p>
+            <a:endParaRPr lang="en-US" dirty="0"/>
+          </a:p>
+          <a:p>
+            <a:endParaRPr lang="en-US" dirty="0"/>
+          </a:p>
+        </p:txBody>
+      </p:sp>
+    </p:spTree>
+    <p:extLst>
+      <p:ext uri="{BB962C8B-B14F-4D97-AF65-F5344CB8AC3E}">
+        <p14:creationId xmlns:p14="http://schemas.microsoft.com/office/powerpoint/2010/main" val="3644132643"/>
+      </p:ext>
+    </p:extLst>
+  </p:cSld>
+  <p:clrMapOvr>
+    <a:masterClrMapping/>
+  </p:clrMapOvr>
+</p:sld>
+</file>
+
+<file path=ppt/slides/slide11.xml><?xml version="1.0" encoding="utf-8"?>
+<p:sld xmlns:a="http://schemas.openxmlformats.org/drawingml/2006/main" xmlns:r="http://schemas.openxmlformats.org/officeDocument/2006/relationships" xmlns:p="http://schemas.openxmlformats.org/presentationml/2006/main">
+  <p:cSld>
+    <p:spTree>
+      <p:nvGrpSpPr>
+        <p:cNvPr id="1" name=""/>
+        <p:cNvGrpSpPr/>
+        <p:nvPr/>
+      </p:nvGrpSpPr>
+      <p:grpSpPr>
+        <a:xfrm>
+          <a:off x="0" y="0"/>
+          <a:ext cx="0" cy="0"/>
+          <a:chOff x="0" y="0"/>
+          <a:chExt cx="0" cy="0"/>
+        </a:xfrm>
+      </p:grpSpPr>
+      <p:sp>
+        <p:nvSpPr>
+          <p:cNvPr id="2" name="Title 1">
+            <a:extLst>
+              <a:ext uri="{FF2B5EF4-FFF2-40B4-BE49-F238E27FC236}">
+                <a16:creationId xmlns:a16="http://schemas.microsoft.com/office/drawing/2014/main" id="{925C13BF-32C5-42D9-8507-AFDCA1640C14}"/>
+              </a:ext>
+            </a:extLst>
+          </p:cNvPr>
+          <p:cNvSpPr>
+            <a:spLocks noGrp="1"/>
+          </p:cNvSpPr>
+          <p:nvPr>
+            <p:ph type="title"/>
+          </p:nvPr>
+        </p:nvSpPr>
+        <p:spPr/>
+        <p:txBody>
+          <a:bodyPr/>
+          <a:lstStyle/>
+          <a:p>
+            <a:r>
+              <a:rPr lang="en-US" dirty="0"/>
+              <a:t>Summary</a:t>
+            </a:r>
+          </a:p>
+        </p:txBody>
+      </p:sp>
+      <p:sp>
+        <p:nvSpPr>
+          <p:cNvPr id="3" name="Content Placeholder 2">
+            <a:extLst>
+              <a:ext uri="{FF2B5EF4-FFF2-40B4-BE49-F238E27FC236}">
+                <a16:creationId xmlns:a16="http://schemas.microsoft.com/office/drawing/2014/main" id="{C031C148-314F-4AB0-8942-98214FCEA00F}"/>
+              </a:ext>
+            </a:extLst>
+          </p:cNvPr>
+          <p:cNvSpPr>
+            <a:spLocks noGrp="1"/>
+          </p:cNvSpPr>
+          <p:nvPr>
+            <p:ph idx="1"/>
+          </p:nvPr>
+        </p:nvSpPr>
+        <p:spPr/>
+        <p:txBody>
+          <a:bodyPr>
+            <a:normAutofit lnSpcReduction="10000"/>
+          </a:bodyPr>
+          <a:lstStyle/>
+          <a:p>
+            <a:r>
+              <a:rPr lang="en-US" dirty="0"/>
+              <a:t>Techniques that allow for Superscalar architecture to be relevant and have been proven to enhance performance:</a:t>
+            </a:r>
+          </a:p>
+          <a:p>
+            <a:pPr marL="800100" lvl="1" indent="-342900">
+              <a:buFont typeface="+mj-lt"/>
+              <a:buAutoNum type="arabicPeriod"/>
+            </a:pPr>
+            <a:r>
+              <a:rPr lang="en-US" dirty="0"/>
+              <a:t>Out-Of-Order Issue  and Out-Of-Order Completion</a:t>
+            </a:r>
+          </a:p>
+          <a:p>
+            <a:pPr marL="800100" lvl="1" indent="-342900">
+              <a:buFont typeface="+mj-lt"/>
+              <a:buAutoNum type="arabicPeriod"/>
+            </a:pPr>
+            <a:r>
+              <a:rPr lang="en-US" dirty="0"/>
+              <a:t>Register Renaming</a:t>
+            </a:r>
+          </a:p>
+          <a:p>
+            <a:pPr marL="800100" lvl="1" indent="-342900">
+              <a:buFont typeface="+mj-lt"/>
+              <a:buAutoNum type="arabicPeriod"/>
+            </a:pPr>
+            <a:r>
+              <a:rPr lang="en-US" dirty="0"/>
+              <a:t>Parallel Pipelining (</a:t>
+            </a:r>
+            <a:r>
+              <a:rPr lang="en-US" dirty="0" err="1"/>
+              <a:t>Superpipelining</a:t>
+            </a:r>
+            <a:r>
+              <a:rPr lang="en-US" dirty="0"/>
+              <a:t>)</a:t>
+            </a:r>
+          </a:p>
+          <a:p>
+            <a:endParaRPr lang="en-US" dirty="0"/>
+          </a:p>
+          <a:p>
+            <a:r>
+              <a:rPr lang="en-US" dirty="0"/>
+              <a:t>Things to be cautious about when attempting to use/create Superscalar Architecture:</a:t>
+            </a:r>
+          </a:p>
+          <a:p>
+            <a:pPr marL="800100" lvl="1" indent="-342900">
+              <a:buFont typeface="+mj-lt"/>
+              <a:buAutoNum type="arabicPeriod"/>
+            </a:pPr>
+            <a:r>
+              <a:rPr lang="en-US" dirty="0"/>
+              <a:t>Resource Dependencies</a:t>
+            </a:r>
+          </a:p>
+          <a:p>
+            <a:pPr marL="800100" lvl="1" indent="-342900">
+              <a:buFont typeface="+mj-lt"/>
+              <a:buAutoNum type="arabicPeriod"/>
+            </a:pPr>
+            <a:r>
+              <a:rPr lang="en-US" dirty="0"/>
+              <a:t>Control  Dependencies</a:t>
+            </a:r>
+          </a:p>
+          <a:p>
+            <a:pPr marL="800100" lvl="1" indent="-342900">
+              <a:buFont typeface="+mj-lt"/>
+              <a:buAutoNum type="arabicPeriod"/>
+            </a:pPr>
+            <a:r>
+              <a:rPr lang="en-US" dirty="0"/>
+              <a:t>Data Dependencies</a:t>
+            </a:r>
+          </a:p>
+          <a:p>
+            <a:endParaRPr lang="en-US" dirty="0"/>
+          </a:p>
+        </p:txBody>
+      </p:sp>
+    </p:spTree>
+    <p:extLst>
+      <p:ext uri="{BB962C8B-B14F-4D97-AF65-F5344CB8AC3E}">
+        <p14:creationId xmlns:p14="http://schemas.microsoft.com/office/powerpoint/2010/main" val="1959877935"/>
+      </p:ext>
+    </p:extLst>
+  </p:cSld>
+  <p:clrMapOvr>
+    <a:masterClrMapping/>
+  </p:clrMapOvr>
+</p:sld>
+</file>
+
+<file path=ppt/slides/slide12.xml><?xml version="1.0" encoding="utf-8"?>
+<p:sld xmlns:a="http://schemas.openxmlformats.org/drawingml/2006/main" xmlns:r="http://schemas.openxmlformats.org/officeDocument/2006/relationships" xmlns:p="http://schemas.openxmlformats.org/presentationml/2006/main">
+  <p:cSld>
+    <p:spTree>
+      <p:nvGrpSpPr>
+        <p:cNvPr id="1" name=""/>
+        <p:cNvGrpSpPr/>
+        <p:nvPr/>
+      </p:nvGrpSpPr>
+      <p:grpSpPr>
+        <a:xfrm>
+          <a:off x="0" y="0"/>
+          <a:ext cx="0" cy="0"/>
+          <a:chOff x="0" y="0"/>
+          <a:chExt cx="0" cy="0"/>
+        </a:xfrm>
+      </p:grpSpPr>
+      <p:sp>
+        <p:nvSpPr>
+          <p:cNvPr id="2" name="Title 1">
+            <a:extLst>
+              <a:ext uri="{FF2B5EF4-FFF2-40B4-BE49-F238E27FC236}">
+                <a16:creationId xmlns:a16="http://schemas.microsoft.com/office/drawing/2014/main" id="{86A686F7-86AB-4CDC-BD6A-DBACA0124581}"/>
+              </a:ext>
+            </a:extLst>
+          </p:cNvPr>
+          <p:cNvSpPr>
+            <a:spLocks noGrp="1"/>
+          </p:cNvSpPr>
+          <p:nvPr>
+            <p:ph type="title"/>
+          </p:nvPr>
+        </p:nvSpPr>
+        <p:spPr/>
+        <p:txBody>
+          <a:bodyPr/>
+          <a:lstStyle/>
+          <a:p>
+            <a:r>
+              <a:rPr lang="en-US" dirty="0"/>
+              <a:t>Sources</a:t>
+            </a:r>
+          </a:p>
+        </p:txBody>
+      </p:sp>
+      <p:sp>
+        <p:nvSpPr>
+          <p:cNvPr id="3" name="Content Placeholder 2">
+            <a:extLst>
+              <a:ext uri="{FF2B5EF4-FFF2-40B4-BE49-F238E27FC236}">
+                <a16:creationId xmlns:a16="http://schemas.microsoft.com/office/drawing/2014/main" id="{8804B2DD-4DB7-4B77-8606-32D8B4F4089A}"/>
+              </a:ext>
+            </a:extLst>
+          </p:cNvPr>
+          <p:cNvSpPr>
+            <a:spLocks noGrp="1"/>
+          </p:cNvSpPr>
+          <p:nvPr>
+            <p:ph idx="1"/>
+          </p:nvPr>
+        </p:nvSpPr>
+        <p:spPr/>
+        <p:txBody>
+          <a:bodyPr/>
+          <a:lstStyle/>
+          <a:p>
+            <a:endParaRPr lang="en-US" dirty="0"/>
+          </a:p>
+          <a:p>
+            <a:r>
+              <a:rPr lang="en-US" dirty="0"/>
+              <a:t>Peng, Zeng. </a:t>
+            </a:r>
+            <a:r>
+              <a:rPr lang="en-US" i="1" dirty="0"/>
+              <a:t>Superscalar Processors</a:t>
+            </a:r>
+            <a:r>
+              <a:rPr lang="en-US" dirty="0"/>
+              <a:t>. Linköping University / Sweden, 2012, </a:t>
+            </a:r>
+            <a:r>
+              <a:rPr lang="en-US" dirty="0">
+                <a:hlinkClick r:id="rId2"/>
+              </a:rPr>
+              <a:t>www.ida.liu.se/~TDTS08/lectures/12/lec5.pdf</a:t>
+            </a:r>
+            <a:r>
+              <a:rPr lang="en-US" dirty="0"/>
+              <a:t>. (1)</a:t>
+            </a:r>
+          </a:p>
+          <a:p>
+            <a:endParaRPr lang="en-US" dirty="0"/>
+          </a:p>
+          <a:p>
+            <a:r>
+              <a:rPr lang="en-US" dirty="0"/>
+              <a:t>Superscalar processor.” </a:t>
+            </a:r>
+            <a:r>
+              <a:rPr lang="en-US" i="1" dirty="0"/>
+              <a:t>Wikipedia</a:t>
+            </a:r>
+            <a:r>
+              <a:rPr lang="en-US" dirty="0"/>
+              <a:t>, Wikimedia Foundation, 27 Oct. 2017, </a:t>
+            </a:r>
+            <a:r>
+              <a:rPr lang="en-US" dirty="0">
+                <a:hlinkClick r:id="rId3"/>
+              </a:rPr>
+              <a:t>www.en.wikipedia.org/wiki/Superscalar_processor</a:t>
+            </a:r>
+            <a:r>
+              <a:rPr lang="en-US" dirty="0"/>
+              <a:t>. (2)</a:t>
+            </a:r>
+          </a:p>
+          <a:p>
+            <a:endParaRPr lang="en-US" dirty="0"/>
+          </a:p>
+          <a:p>
+            <a:r>
+              <a:rPr lang="en-US" dirty="0"/>
+              <a:t>Brown, Jeff. </a:t>
+            </a:r>
+            <a:r>
+              <a:rPr lang="en-US" i="1" dirty="0"/>
+              <a:t>Pipelining: Branch Hazards</a:t>
+            </a:r>
+            <a:r>
+              <a:rPr lang="en-US" dirty="0"/>
+              <a:t>. University of California San Diego, www.ucsd.edu. (3)</a:t>
+            </a:r>
+          </a:p>
+        </p:txBody>
+      </p:sp>
+    </p:spTree>
+    <p:extLst>
+      <p:ext uri="{BB962C8B-B14F-4D97-AF65-F5344CB8AC3E}">
+        <p14:creationId xmlns:p14="http://schemas.microsoft.com/office/powerpoint/2010/main" val="2294730993"/>
+      </p:ext>
+    </p:extLst>
+  </p:cSld>
+  <p:clrMapOvr>
+    <a:masterClrMapping/>
+  </p:clrMapOvr>
 </p:sld>
 </file>
 
@@ -8191,6 +8667,16 @@
           <a:prstGeom prst="rect">
             <a:avLst/>
           </a:prstGeom>
+          <a:ln>
+            <a:noFill/>
+          </a:ln>
+          <a:effectLst>
+            <a:outerShdw blurRad="190500" algn="tl" rotWithShape="0">
+              <a:srgbClr val="000000">
+                <a:alpha val="70000"/>
+              </a:srgbClr>
+            </a:outerShdw>
+          </a:effectLst>
         </p:spPr>
       </p:pic>
       <p:sp>
@@ -8258,15 +8744,7 @@
           <a:p>
             <a:r>
               <a:rPr lang="en-US" dirty="0"/>
-              <a:t>Most operations are on scalar quantities (about 80% according to </a:t>
-            </a:r>
-            <a:r>
-              <a:rPr lang="en-US" dirty="0" err="1"/>
-              <a:t>Zebo</a:t>
-            </a:r>
-            <a:r>
-              <a:rPr lang="en-US" dirty="0"/>
-              <a:t> Pang). Increasing performance in this area will lead to a huge increase in the overall performance of the system.</a:t>
+              <a:t>Most operations are on scalar quantities (about 80%(1)). Increasing performance in this area will lead to a huge increase in the overall performance of the system.</a:t>
             </a:r>
           </a:p>
           <a:p>
@@ -8741,6 +9219,16 @@
           <a:prstGeom prst="rect">
             <a:avLst/>
           </a:prstGeom>
+          <a:ln>
+            <a:noFill/>
+          </a:ln>
+          <a:effectLst>
+            <a:outerShdw blurRad="190500" algn="tl" rotWithShape="0">
+              <a:srgbClr val="000000">
+                <a:alpha val="70000"/>
+              </a:srgbClr>
+            </a:outerShdw>
+          </a:effectLst>
         </p:spPr>
       </p:pic>
       <p:sp>
@@ -8773,7 +9261,7 @@
           <a:p>
             <a:r>
               <a:rPr lang="en-US" dirty="0"/>
-              <a:t>Types of SSA: </a:t>
+              <a:t>Key Feature of SSA: </a:t>
             </a:r>
             <a:r>
               <a:rPr lang="en-US" dirty="0" err="1"/>
@@ -9545,6 +10033,41 @@
           </a:p>
         </p:txBody>
       </p:sp>
+      <p:sp>
+        <p:nvSpPr>
+          <p:cNvPr id="4" name="TextBox 3">
+            <a:extLst>
+              <a:ext uri="{FF2B5EF4-FFF2-40B4-BE49-F238E27FC236}">
+                <a16:creationId xmlns:a16="http://schemas.microsoft.com/office/drawing/2014/main" id="{81753F4D-2338-4FDD-B1B2-46E1A08693ED}"/>
+              </a:ext>
+            </a:extLst>
+          </p:cNvPr>
+          <p:cNvSpPr txBox="1"/>
+          <p:nvPr/>
+        </p:nvSpPr>
+        <p:spPr>
+          <a:xfrm>
+            <a:off x="7134225" y="5523521"/>
+            <a:ext cx="4432095" cy="461665"/>
+          </a:xfrm>
+          <a:prstGeom prst="rect">
+            <a:avLst/>
+          </a:prstGeom>
+          <a:noFill/>
+        </p:spPr>
+        <p:txBody>
+          <a:bodyPr wrap="square" rtlCol="0">
+            <a:spAutoFit/>
+          </a:bodyPr>
+          <a:lstStyle/>
+          <a:p>
+            <a:r>
+              <a:rPr lang="en-US" sz="1200" i="1" dirty="0"/>
+              <a:t>If there was only one cache, there would be a competition for resources among these two instructions</a:t>
+            </a:r>
+          </a:p>
+        </p:txBody>
+      </p:sp>
     </p:spTree>
     <p:extLst>
       <p:ext uri="{BB962C8B-B14F-4D97-AF65-F5344CB8AC3E}">
@@ -10058,7 +10581,7 @@
           <a:p>
             <a:r>
               <a:rPr lang="en-US" dirty="0"/>
-              <a:t> If an instruction’s length isn’t CONST, they cannot be fetched and used in parallel since an instruction has to be decoded. This means that </a:t>
+              <a:t> If an instruction’s length isn’t CONSTANT, they cannot be fetched and used in parallel since an instruction has to be decoded. This means that </a:t>
             </a:r>
             <a:r>
               <a:rPr lang="en-US" dirty="0" err="1"/>
@@ -10067,6 +10590,41 @@
             <a:r>
               <a:rPr lang="en-US" dirty="0"/>
               <a:t> is efficient for instructions with a fixed length and format.</a:t>
+            </a:r>
+          </a:p>
+        </p:txBody>
+      </p:sp>
+      <p:sp>
+        <p:nvSpPr>
+          <p:cNvPr id="4" name="TextBox 3">
+            <a:extLst>
+              <a:ext uri="{FF2B5EF4-FFF2-40B4-BE49-F238E27FC236}">
+                <a16:creationId xmlns:a16="http://schemas.microsoft.com/office/drawing/2014/main" id="{6F1AC326-6E4F-4CDA-AE4E-410380809992}"/>
+              </a:ext>
+            </a:extLst>
+          </p:cNvPr>
+          <p:cNvSpPr txBox="1"/>
+          <p:nvPr/>
+        </p:nvSpPr>
+        <p:spPr>
+          <a:xfrm>
+            <a:off x="7562088" y="4339389"/>
+            <a:ext cx="2847474" cy="461665"/>
+          </a:xfrm>
+          <a:prstGeom prst="rect">
+            <a:avLst/>
+          </a:prstGeom>
+          <a:noFill/>
+        </p:spPr>
+        <p:txBody>
+          <a:bodyPr wrap="square" rtlCol="0">
+            <a:spAutoFit/>
+          </a:bodyPr>
+          <a:lstStyle/>
+          <a:p>
+            <a:r>
+              <a:rPr lang="en-US" sz="1200" i="1" dirty="0"/>
+              <a:t>Branch Mispredictions could lead to control dependencies</a:t>
             </a:r>
           </a:p>
         </p:txBody>
@@ -10087,6 +10645,14 @@
 <file path=ppt/slides/slide8.xml><?xml version="1.0" encoding="utf-8"?>
 <p:sld xmlns:a="http://schemas.openxmlformats.org/drawingml/2006/main" xmlns:r="http://schemas.openxmlformats.org/officeDocument/2006/relationships" xmlns:p="http://schemas.openxmlformats.org/presentationml/2006/main">
   <p:cSld>
+    <p:bg>
+      <p:bgPr>
+        <a:solidFill>
+          <a:schemeClr val="bg2"/>
+        </a:solidFill>
+        <a:effectLst/>
+      </p:bgPr>
+    </p:bg>
     <p:spTree>
       <p:nvGrpSpPr>
         <p:cNvPr id="1" name=""/>
@@ -10101,6 +10667,367 @@
           <a:chExt cx="0" cy="0"/>
         </a:xfrm>
       </p:grpSpPr>
+      <p:sp useBgFill="1">
+        <p:nvSpPr>
+          <p:cNvPr id="10" name="Rectangle 9">
+            <a:extLst>
+              <a:ext uri="{FF2B5EF4-FFF2-40B4-BE49-F238E27FC236}">
+                <a16:creationId xmlns:a16="http://schemas.microsoft.com/office/drawing/2014/main" id="{5DD7D61F-A731-4BBE-9FE8-5C9E20066DD9}"/>
+              </a:ext>
+            </a:extLst>
+          </p:cNvPr>
+          <p:cNvSpPr>
+            <a:spLocks noGrp="1" noRot="1" noChangeAspect="1" noMove="1" noResize="1" noEditPoints="1" noAdjustHandles="1" noChangeArrowheads="1" noChangeShapeType="1" noTextEdit="1"/>
+          </p:cNvSpPr>
+          <p:nvPr>
+            <p:extLst>
+              <p:ext uri="{386F3935-93C4-4BCD-93E2-E3B085C9AB24}">
+                <p16:designElem xmlns:p16="http://schemas.microsoft.com/office/powerpoint/2015/main" val="1"/>
+              </p:ext>
+            </p:extLst>
+          </p:nvPr>
+        </p:nvSpPr>
+        <p:spPr>
+          <a:xfrm>
+            <a:off x="0" y="-786"/>
+            <a:ext cx="12192000" cy="6854038"/>
+          </a:xfrm>
+          <a:prstGeom prst="rect">
+            <a:avLst/>
+          </a:prstGeom>
+          <a:ln>
+            <a:noFill/>
+          </a:ln>
+        </p:spPr>
+        <p:style>
+          <a:lnRef idx="2">
+            <a:schemeClr val="accent1">
+              <a:shade val="50000"/>
+            </a:schemeClr>
+          </a:lnRef>
+          <a:fillRef idx="1">
+            <a:schemeClr val="accent1"/>
+          </a:fillRef>
+          <a:effectRef idx="0">
+            <a:schemeClr val="accent1"/>
+          </a:effectRef>
+          <a:fontRef idx="minor">
+            <a:schemeClr val="lt1"/>
+          </a:fontRef>
+        </p:style>
+        <p:txBody>
+          <a:bodyPr rtlCol="0" anchor="ctr"/>
+          <a:lstStyle/>
+          <a:p>
+            <a:pPr algn="ctr"/>
+            <a:endParaRPr lang="en-US"/>
+          </a:p>
+        </p:txBody>
+      </p:sp>
+      <p:sp>
+        <p:nvSpPr>
+          <p:cNvPr id="12" name="Rectangle 11">
+            <a:extLst>
+              <a:ext uri="{FF2B5EF4-FFF2-40B4-BE49-F238E27FC236}">
+                <a16:creationId xmlns:a16="http://schemas.microsoft.com/office/drawing/2014/main" id="{3150F9D2-6F39-4F5D-97AB-F71084ACA2CB}"/>
+              </a:ext>
+            </a:extLst>
+          </p:cNvPr>
+          <p:cNvSpPr>
+            <a:spLocks noGrp="1" noRot="1" noChangeAspect="1" noMove="1" noResize="1" noEditPoints="1" noAdjustHandles="1" noChangeArrowheads="1" noChangeShapeType="1" noTextEdit="1"/>
+          </p:cNvSpPr>
+          <p:nvPr>
+            <p:extLst>
+              <p:ext uri="{386F3935-93C4-4BCD-93E2-E3B085C9AB24}">
+                <p16:designElem xmlns:p16="http://schemas.microsoft.com/office/powerpoint/2015/main" val="1"/>
+              </p:ext>
+            </p:extLst>
+          </p:nvPr>
+        </p:nvSpPr>
+        <p:spPr>
+          <a:xfrm>
+            <a:off x="0" y="0"/>
+            <a:ext cx="182880" cy="6858000"/>
+          </a:xfrm>
+          <a:prstGeom prst="rect">
+            <a:avLst/>
+          </a:prstGeom>
+          <a:solidFill>
+            <a:schemeClr val="accent1"/>
+          </a:solidFill>
+          <a:ln>
+            <a:noFill/>
+          </a:ln>
+          <a:effectLst/>
+        </p:spPr>
+        <p:style>
+          <a:lnRef idx="1">
+            <a:schemeClr val="accent1"/>
+          </a:lnRef>
+          <a:fillRef idx="3">
+            <a:schemeClr val="accent1"/>
+          </a:fillRef>
+          <a:effectRef idx="2">
+            <a:schemeClr val="accent1"/>
+          </a:effectRef>
+          <a:fontRef idx="minor">
+            <a:schemeClr val="lt1"/>
+          </a:fontRef>
+        </p:style>
+      </p:sp>
+      <p:sp>
+        <p:nvSpPr>
+          <p:cNvPr id="14" name="Freeform 12">
+            <a:extLst>
+              <a:ext uri="{FF2B5EF4-FFF2-40B4-BE49-F238E27FC236}">
+                <a16:creationId xmlns:a16="http://schemas.microsoft.com/office/drawing/2014/main" id="{628745F1-A80D-4634-B1B3-0D5BB34332AD}"/>
+              </a:ext>
+            </a:extLst>
+          </p:cNvPr>
+          <p:cNvSpPr>
+            <a:spLocks noGrp="1" noRot="1" noChangeAspect="1" noMove="1" noResize="1" noEditPoints="1" noAdjustHandles="1" noChangeArrowheads="1" noChangeShapeType="1" noTextEdit="1"/>
+          </p:cNvSpPr>
+          <p:nvPr>
+            <p:extLst>
+              <p:ext uri="{386F3935-93C4-4BCD-93E2-E3B085C9AB24}">
+                <p16:designElem xmlns:p16="http://schemas.microsoft.com/office/powerpoint/2015/main" val="1"/>
+              </p:ext>
+            </p:extLst>
+          </p:nvPr>
+        </p:nvSpPr>
+        <p:spPr>
+          <a:xfrm>
+            <a:off x="-1" y="6061223"/>
+            <a:ext cx="1038036" cy="506277"/>
+          </a:xfrm>
+          <a:custGeom>
+            <a:avLst/>
+            <a:gdLst>
+              <a:gd name="connsiteX0" fmla="*/ 0 w 1038036"/>
+              <a:gd name="connsiteY0" fmla="*/ 0 h 506277"/>
+              <a:gd name="connsiteX1" fmla="*/ 182880 w 1038036"/>
+              <a:gd name="connsiteY1" fmla="*/ 0 h 506277"/>
+              <a:gd name="connsiteX2" fmla="*/ 291705 w 1038036"/>
+              <a:gd name="connsiteY2" fmla="*/ 0 h 506277"/>
+              <a:gd name="connsiteX3" fmla="*/ 291705 w 1038036"/>
+              <a:gd name="connsiteY3" fmla="*/ 151 h 506277"/>
+              <a:gd name="connsiteX4" fmla="*/ 692049 w 1038036"/>
+              <a:gd name="connsiteY4" fmla="*/ 705 h 506277"/>
+              <a:gd name="connsiteX5" fmla="*/ 782744 w 1038036"/>
+              <a:gd name="connsiteY5" fmla="*/ 705 h 506277"/>
+              <a:gd name="connsiteX6" fmla="*/ 797001 w 1038036"/>
+              <a:gd name="connsiteY6" fmla="*/ 5473 h 506277"/>
+              <a:gd name="connsiteX7" fmla="*/ 801982 w 1038036"/>
+              <a:gd name="connsiteY7" fmla="*/ 10242 h 506277"/>
+              <a:gd name="connsiteX8" fmla="*/ 1030951 w 1038036"/>
+              <a:gd name="connsiteY8" fmla="*/ 239185 h 506277"/>
+              <a:gd name="connsiteX9" fmla="*/ 1030951 w 1038036"/>
+              <a:gd name="connsiteY9" fmla="*/ 267797 h 506277"/>
+              <a:gd name="connsiteX10" fmla="*/ 801982 w 1038036"/>
+              <a:gd name="connsiteY10" fmla="*/ 496740 h 506277"/>
+              <a:gd name="connsiteX11" fmla="*/ 797001 w 1038036"/>
+              <a:gd name="connsiteY11" fmla="*/ 501508 h 506277"/>
+              <a:gd name="connsiteX12" fmla="*/ 782744 w 1038036"/>
+              <a:gd name="connsiteY12" fmla="*/ 506277 h 506277"/>
+              <a:gd name="connsiteX13" fmla="*/ 692049 w 1038036"/>
+              <a:gd name="connsiteY13" fmla="*/ 506277 h 506277"/>
+              <a:gd name="connsiteX14" fmla="*/ 291705 w 1038036"/>
+              <a:gd name="connsiteY14" fmla="*/ 505140 h 506277"/>
+              <a:gd name="connsiteX15" fmla="*/ 291705 w 1038036"/>
+              <a:gd name="connsiteY15" fmla="*/ 506277 h 506277"/>
+              <a:gd name="connsiteX16" fmla="*/ 0 w 1038036"/>
+              <a:gd name="connsiteY16" fmla="*/ 506277 h 506277"/>
+            </a:gdLst>
+            <a:ahLst/>
+            <a:cxnLst>
+              <a:cxn ang="0">
+                <a:pos x="connsiteX0" y="connsiteY0"/>
+              </a:cxn>
+              <a:cxn ang="0">
+                <a:pos x="connsiteX1" y="connsiteY1"/>
+              </a:cxn>
+              <a:cxn ang="0">
+                <a:pos x="connsiteX2" y="connsiteY2"/>
+              </a:cxn>
+              <a:cxn ang="0">
+                <a:pos x="connsiteX3" y="connsiteY3"/>
+              </a:cxn>
+              <a:cxn ang="0">
+                <a:pos x="connsiteX4" y="connsiteY4"/>
+              </a:cxn>
+              <a:cxn ang="0">
+                <a:pos x="connsiteX5" y="connsiteY5"/>
+              </a:cxn>
+              <a:cxn ang="0">
+                <a:pos x="connsiteX6" y="connsiteY6"/>
+              </a:cxn>
+              <a:cxn ang="0">
+                <a:pos x="connsiteX7" y="connsiteY7"/>
+              </a:cxn>
+              <a:cxn ang="0">
+                <a:pos x="connsiteX8" y="connsiteY8"/>
+              </a:cxn>
+              <a:cxn ang="0">
+                <a:pos x="connsiteX9" y="connsiteY9"/>
+              </a:cxn>
+              <a:cxn ang="0">
+                <a:pos x="connsiteX10" y="connsiteY10"/>
+              </a:cxn>
+              <a:cxn ang="0">
+                <a:pos x="connsiteX11" y="connsiteY11"/>
+              </a:cxn>
+              <a:cxn ang="0">
+                <a:pos x="connsiteX12" y="connsiteY12"/>
+              </a:cxn>
+              <a:cxn ang="0">
+                <a:pos x="connsiteX13" y="connsiteY13"/>
+              </a:cxn>
+              <a:cxn ang="0">
+                <a:pos x="connsiteX14" y="connsiteY14"/>
+              </a:cxn>
+              <a:cxn ang="0">
+                <a:pos x="connsiteX15" y="connsiteY15"/>
+              </a:cxn>
+              <a:cxn ang="0">
+                <a:pos x="connsiteX16" y="connsiteY16"/>
+              </a:cxn>
+            </a:cxnLst>
+            <a:rect l="l" t="t" r="r" b="b"/>
+            <a:pathLst>
+              <a:path w="1038036" h="506277">
+                <a:moveTo>
+                  <a:pt x="0" y="0"/>
+                </a:moveTo>
+                <a:lnTo>
+                  <a:pt x="182880" y="0"/>
+                </a:lnTo>
+                <a:lnTo>
+                  <a:pt x="291705" y="0"/>
+                </a:lnTo>
+                <a:lnTo>
+                  <a:pt x="291705" y="151"/>
+                </a:lnTo>
+                <a:lnTo>
+                  <a:pt x="692049" y="705"/>
+                </a:lnTo>
+                <a:lnTo>
+                  <a:pt x="782744" y="705"/>
+                </a:lnTo>
+                <a:cubicBezTo>
+                  <a:pt x="787553" y="705"/>
+                  <a:pt x="792363" y="5473"/>
+                  <a:pt x="797001" y="5473"/>
+                </a:cubicBezTo>
+                <a:cubicBezTo>
+                  <a:pt x="797001" y="10242"/>
+                  <a:pt x="801982" y="10242"/>
+                  <a:pt x="801982" y="10242"/>
+                </a:cubicBezTo>
+                <a:lnTo>
+                  <a:pt x="1030951" y="239185"/>
+                </a:lnTo>
+                <a:cubicBezTo>
+                  <a:pt x="1040398" y="248722"/>
+                  <a:pt x="1040398" y="258259"/>
+                  <a:pt x="1030951" y="267797"/>
+                </a:cubicBezTo>
+                <a:lnTo>
+                  <a:pt x="801982" y="496740"/>
+                </a:lnTo>
+                <a:cubicBezTo>
+                  <a:pt x="800436" y="498363"/>
+                  <a:pt x="798547" y="499885"/>
+                  <a:pt x="797001" y="501508"/>
+                </a:cubicBezTo>
+                <a:cubicBezTo>
+                  <a:pt x="792363" y="506277"/>
+                  <a:pt x="787553" y="506277"/>
+                  <a:pt x="782744" y="506277"/>
+                </a:cubicBezTo>
+                <a:lnTo>
+                  <a:pt x="692049" y="506277"/>
+                </a:lnTo>
+                <a:lnTo>
+                  <a:pt x="291705" y="505140"/>
+                </a:lnTo>
+                <a:lnTo>
+                  <a:pt x="291705" y="506277"/>
+                </a:lnTo>
+                <a:lnTo>
+                  <a:pt x="0" y="506277"/>
+                </a:lnTo>
+                <a:close/>
+              </a:path>
+            </a:pathLst>
+          </a:custGeom>
+          <a:ln>
+            <a:noFill/>
+          </a:ln>
+        </p:spPr>
+        <p:style>
+          <a:lnRef idx="2">
+            <a:schemeClr val="accent1">
+              <a:shade val="50000"/>
+            </a:schemeClr>
+          </a:lnRef>
+          <a:fillRef idx="1">
+            <a:schemeClr val="accent1"/>
+          </a:fillRef>
+          <a:effectRef idx="0">
+            <a:schemeClr val="accent1"/>
+          </a:effectRef>
+          <a:fontRef idx="minor">
+            <a:schemeClr val="lt1"/>
+          </a:fontRef>
+        </p:style>
+        <p:txBody>
+          <a:bodyPr rtlCol="0" anchor="ctr"/>
+          <a:lstStyle/>
+          <a:p>
+            <a:pPr algn="ctr"/>
+            <a:endParaRPr lang="en-US"/>
+          </a:p>
+        </p:txBody>
+      </p:sp>
+      <p:pic>
+        <p:nvPicPr>
+          <p:cNvPr id="5" name="Picture 4" descr="A screenshot of a cell phone&#10;&#10;Description generated with very high confidence">
+            <a:extLst>
+              <a:ext uri="{FF2B5EF4-FFF2-40B4-BE49-F238E27FC236}">
+                <a16:creationId xmlns:a16="http://schemas.microsoft.com/office/drawing/2014/main" id="{C918995C-EE8C-4EEA-B312-024E4FF09092}"/>
+              </a:ext>
+            </a:extLst>
+          </p:cNvPr>
+          <p:cNvPicPr>
+            <a:picLocks noChangeAspect="1"/>
+          </p:cNvPicPr>
+          <p:nvPr/>
+        </p:nvPicPr>
+        <p:blipFill rotWithShape="1">
+          <a:blip r:embed="rId2"/>
+          <a:srcRect l="9373" r="12711" b="-3"/>
+          <a:stretch/>
+        </p:blipFill>
+        <p:spPr>
+          <a:xfrm>
+            <a:off x="6091916" y="645106"/>
+            <a:ext cx="5451627" cy="5247747"/>
+          </a:xfrm>
+          <a:prstGeom prst="rect">
+            <a:avLst/>
+          </a:prstGeom>
+          <a:ln>
+            <a:noFill/>
+          </a:ln>
+          <a:effectLst>
+            <a:outerShdw blurRad="190500" algn="tl" rotWithShape="0">
+              <a:srgbClr val="000000">
+                <a:alpha val="70000"/>
+              </a:srgbClr>
+            </a:outerShdw>
+          </a:effectLst>
+        </p:spPr>
+      </p:pic>
       <p:sp>
         <p:nvSpPr>
           <p:cNvPr id="2" name="Title 1">
@@ -10117,9 +11044,16 @@
             <p:ph type="title"/>
           </p:nvPr>
         </p:nvSpPr>
-        <p:spPr/>
-        <p:txBody>
-          <a:bodyPr/>
+        <p:spPr>
+          <a:xfrm>
+            <a:off x="649224" y="645106"/>
+            <a:ext cx="5122652" cy="1259894"/>
+          </a:xfrm>
+        </p:spPr>
+        <p:txBody>
+          <a:bodyPr>
+            <a:normAutofit/>
+          </a:bodyPr>
           <a:lstStyle/>
           <a:p>
             <a:r>
@@ -10145,12 +11079,66 @@
             <p:ph idx="1"/>
           </p:nvPr>
         </p:nvSpPr>
-        <p:spPr/>
-        <p:txBody>
-          <a:bodyPr/>
+        <p:spPr>
+          <a:xfrm>
+            <a:off x="649225" y="2133600"/>
+            <a:ext cx="5122652" cy="3759253"/>
+          </a:xfrm>
+        </p:spPr>
+        <p:txBody>
+          <a:bodyPr>
+            <a:normAutofit/>
+          </a:bodyPr>
           <a:lstStyle/>
           <a:p>
+            <a:r>
+              <a:rPr lang="en-US" dirty="0"/>
+              <a:t>Similar to data hazards in pipelines, a data dependency occurs when the pipeline changes the order of read/write access to operands so that the order differs from the order seen by sequentially instructions.</a:t>
+            </a:r>
+          </a:p>
+          <a:p>
             <a:endParaRPr lang="en-US" dirty="0"/>
+          </a:p>
+          <a:p>
+            <a:r>
+              <a:rPr lang="en-US" dirty="0"/>
+              <a:t>Because of the fragile nature of data dependencies, conflicts have to be handled much more carefully than other dependencies</a:t>
+            </a:r>
+          </a:p>
+        </p:txBody>
+      </p:sp>
+      <p:sp>
+        <p:nvSpPr>
+          <p:cNvPr id="6" name="TextBox 5">
+            <a:extLst>
+              <a:ext uri="{FF2B5EF4-FFF2-40B4-BE49-F238E27FC236}">
+                <a16:creationId xmlns:a16="http://schemas.microsoft.com/office/drawing/2014/main" id="{7A9C7E30-DF4B-4393-AF0D-F252BD88256C}"/>
+              </a:ext>
+            </a:extLst>
+          </p:cNvPr>
+          <p:cNvSpPr txBox="1"/>
+          <p:nvPr/>
+        </p:nvSpPr>
+        <p:spPr>
+          <a:xfrm>
+            <a:off x="6821281" y="4820653"/>
+            <a:ext cx="5694948" cy="276999"/>
+          </a:xfrm>
+          <a:prstGeom prst="rect">
+            <a:avLst/>
+          </a:prstGeom>
+          <a:noFill/>
+        </p:spPr>
+        <p:txBody>
+          <a:bodyPr wrap="square" rtlCol="0">
+            <a:spAutoFit/>
+          </a:bodyPr>
+          <a:lstStyle/>
+          <a:p>
+            <a:r>
+              <a:rPr lang="en-US" sz="1200" i="1" dirty="0"/>
+              <a:t>Pipeline must wait for ‘D’ to finish before it can sub</a:t>
+            </a:r>
           </a:p>
         </p:txBody>
       </p:sp>
@@ -10158,6 +11146,175 @@
     <p:extLst>
       <p:ext uri="{BB962C8B-B14F-4D97-AF65-F5344CB8AC3E}">
         <p14:creationId xmlns:p14="http://schemas.microsoft.com/office/powerpoint/2010/main" val="4138714619"/>
+      </p:ext>
+    </p:extLst>
+  </p:cSld>
+  <p:clrMapOvr>
+    <a:masterClrMapping/>
+  </p:clrMapOvr>
+</p:sld>
+</file>
+
+<file path=ppt/slides/slide9.xml><?xml version="1.0" encoding="utf-8"?>
+<p:sld xmlns:a="http://schemas.openxmlformats.org/drawingml/2006/main" xmlns:r="http://schemas.openxmlformats.org/officeDocument/2006/relationships" xmlns:p="http://schemas.openxmlformats.org/presentationml/2006/main">
+  <p:cSld>
+    <p:spTree>
+      <p:nvGrpSpPr>
+        <p:cNvPr id="1" name=""/>
+        <p:cNvGrpSpPr/>
+        <p:nvPr/>
+      </p:nvGrpSpPr>
+      <p:grpSpPr>
+        <a:xfrm>
+          <a:off x="0" y="0"/>
+          <a:ext cx="0" cy="0"/>
+          <a:chOff x="0" y="0"/>
+          <a:chExt cx="0" cy="0"/>
+        </a:xfrm>
+      </p:grpSpPr>
+      <p:sp>
+        <p:nvSpPr>
+          <p:cNvPr id="2" name="Title 1">
+            <a:extLst>
+              <a:ext uri="{FF2B5EF4-FFF2-40B4-BE49-F238E27FC236}">
+                <a16:creationId xmlns:a16="http://schemas.microsoft.com/office/drawing/2014/main" id="{7FD4D13C-CBFA-48FD-B82A-A03E76EAFE0E}"/>
+              </a:ext>
+            </a:extLst>
+          </p:cNvPr>
+          <p:cNvSpPr>
+            <a:spLocks noGrp="1"/>
+          </p:cNvSpPr>
+          <p:nvPr>
+            <p:ph type="title"/>
+          </p:nvPr>
+        </p:nvSpPr>
+        <p:spPr>
+          <a:xfrm>
+            <a:off x="2592925" y="616158"/>
+            <a:ext cx="8911687" cy="1280890"/>
+          </a:xfrm>
+        </p:spPr>
+        <p:txBody>
+          <a:bodyPr/>
+          <a:lstStyle/>
+          <a:p>
+            <a:r>
+              <a:rPr lang="en-US" dirty="0"/>
+              <a:t>How Does It Work?: </a:t>
+            </a:r>
+            <a:br>
+              <a:rPr lang="en-US" dirty="0"/>
+            </a:br>
+            <a:r>
+              <a:rPr lang="en-US" dirty="0"/>
+              <a:t>Division and Decoupling</a:t>
+            </a:r>
+          </a:p>
+        </p:txBody>
+      </p:sp>
+      <p:sp>
+        <p:nvSpPr>
+          <p:cNvPr id="3" name="Content Placeholder 2">
+            <a:extLst>
+              <a:ext uri="{FF2B5EF4-FFF2-40B4-BE49-F238E27FC236}">
+                <a16:creationId xmlns:a16="http://schemas.microsoft.com/office/drawing/2014/main" id="{CCF931A1-8F4F-4FC8-8F2B-D83F4447471B}"/>
+              </a:ext>
+            </a:extLst>
+          </p:cNvPr>
+          <p:cNvSpPr>
+            <a:spLocks noGrp="1"/>
+          </p:cNvSpPr>
+          <p:nvPr>
+            <p:ph idx="1"/>
+          </p:nvPr>
+        </p:nvSpPr>
+        <p:spPr/>
+        <p:txBody>
+          <a:bodyPr>
+            <a:normAutofit lnSpcReduction="10000"/>
+          </a:bodyPr>
+          <a:lstStyle/>
+          <a:p>
+            <a:r>
+              <a:rPr lang="en-US" dirty="0"/>
+              <a:t>To increase instruction-level-parallelism, we divide the instruction into smaller tasks and decouple them. In particular, there are three important events:</a:t>
+            </a:r>
+          </a:p>
+          <a:p>
+            <a:pPr marL="1257300" lvl="2" indent="-342900">
+              <a:buFont typeface="+mj-lt"/>
+              <a:buAutoNum type="arabicPeriod"/>
+            </a:pPr>
+            <a:r>
+              <a:rPr lang="en-US" dirty="0"/>
+              <a:t>Instruction Issue: where an instruction is created and starts execution</a:t>
+            </a:r>
+          </a:p>
+          <a:p>
+            <a:pPr marL="1257300" lvl="2" indent="-342900">
+              <a:buFont typeface="+mj-lt"/>
+              <a:buAutoNum type="arabicPeriod"/>
+            </a:pPr>
+            <a:r>
+              <a:rPr lang="en-US" dirty="0"/>
+              <a:t>Instruction Completion: an instruction has been completed</a:t>
+            </a:r>
+          </a:p>
+          <a:p>
+            <a:pPr marL="1257300" lvl="2" indent="-342900">
+              <a:buFont typeface="+mj-lt"/>
+              <a:buAutoNum type="arabicPeriod"/>
+            </a:pPr>
+            <a:r>
+              <a:rPr lang="en-US" dirty="0"/>
+              <a:t>Instruction Commit: the operation results are written back to the registers</a:t>
+            </a:r>
+          </a:p>
+          <a:p>
+            <a:r>
+              <a:rPr lang="en-US" dirty="0"/>
+              <a:t>Because of the parallelism, instructions can be executed in a different order each run, but the results must be the same each time. Because of this, execution policies are used:</a:t>
+            </a:r>
+          </a:p>
+          <a:p>
+            <a:pPr marL="1257300" lvl="2" indent="-342900">
+              <a:buFont typeface="+mj-lt"/>
+              <a:buAutoNum type="arabicPeriod"/>
+            </a:pPr>
+            <a:r>
+              <a:rPr lang="en-US" dirty="0"/>
+              <a:t>In-Order Issue with In-Order Completion</a:t>
+            </a:r>
+          </a:p>
+          <a:p>
+            <a:pPr marL="1257300" lvl="2" indent="-342900">
+              <a:buFont typeface="+mj-lt"/>
+              <a:buAutoNum type="arabicPeriod"/>
+            </a:pPr>
+            <a:r>
+              <a:rPr lang="en-US" dirty="0"/>
+              <a:t>In-Order Issue with Out-Of-Order Completion</a:t>
+            </a:r>
+          </a:p>
+          <a:p>
+            <a:pPr marL="1257300" lvl="2" indent="-342900">
+              <a:buFont typeface="+mj-lt"/>
+              <a:buAutoNum type="arabicPeriod"/>
+            </a:pPr>
+            <a:r>
+              <a:rPr lang="en-US" dirty="0"/>
+              <a:t>Out-Of-Order Issue with Out-Of-Order Completion</a:t>
+            </a:r>
+          </a:p>
+          <a:p>
+            <a:endParaRPr lang="en-US" dirty="0"/>
+          </a:p>
+        </p:txBody>
+      </p:sp>
+    </p:spTree>
+    <p:extLst>
+      <p:ext uri="{BB962C8B-B14F-4D97-AF65-F5344CB8AC3E}">
+        <p14:creationId xmlns:p14="http://schemas.microsoft.com/office/powerpoint/2010/main" val="201082334"/>
       </p:ext>
     </p:extLst>
   </p:cSld>

--- a/CS3340 - Computer Architecture/hw5/mgm160130.pptx
+++ b/CS3340 - Computer Architecture/hw5/mgm160130.pptx
@@ -6,17 +6,18 @@
   </p:sldMasterIdLst>
   <p:sldIdLst>
     <p:sldId id="256" r:id="rId2"/>
-    <p:sldId id="257" r:id="rId3"/>
-    <p:sldId id="258" r:id="rId4"/>
-    <p:sldId id="259" r:id="rId5"/>
-    <p:sldId id="260" r:id="rId6"/>
-    <p:sldId id="261" r:id="rId7"/>
-    <p:sldId id="262" r:id="rId8"/>
-    <p:sldId id="263" r:id="rId9"/>
-    <p:sldId id="265" r:id="rId10"/>
-    <p:sldId id="264" r:id="rId11"/>
-    <p:sldId id="266" r:id="rId12"/>
-    <p:sldId id="267" r:id="rId13"/>
+    <p:sldId id="268" r:id="rId3"/>
+    <p:sldId id="257" r:id="rId4"/>
+    <p:sldId id="258" r:id="rId5"/>
+    <p:sldId id="259" r:id="rId6"/>
+    <p:sldId id="260" r:id="rId7"/>
+    <p:sldId id="261" r:id="rId8"/>
+    <p:sldId id="262" r:id="rId9"/>
+    <p:sldId id="263" r:id="rId10"/>
+    <p:sldId id="265" r:id="rId11"/>
+    <p:sldId id="264" r:id="rId12"/>
+    <p:sldId id="266" r:id="rId13"/>
+    <p:sldId id="267" r:id="rId14"/>
   </p:sldIdLst>
   <p:sldSz cx="12192000" cy="6858000"/>
   <p:notesSz cx="6858000" cy="9144000"/>
@@ -121,6 +122,7 @@
         <p14:section name="Default Section" id="{B652E905-40A2-48A6-85C9-AAE8FBFBFB05}">
           <p14:sldIdLst>
             <p14:sldId id="256"/>
+            <p14:sldId id="268"/>
             <p14:sldId id="257"/>
             <p14:sldId id="258"/>
             <p14:sldId id="259"/>
@@ -336,7 +338,7 @@
             <a:fld id="{B61BEF0D-F0BB-DE4B-95CE-6DB70DBA9567}" type="datetimeFigureOut">
               <a:rPr lang="en-US" dirty="0"/>
               <a:pPr/>
-              <a:t>10/27/2017</a:t>
+              <a:t>10/29/2017</a:t>
             </a:fld>
             <a:endParaRPr lang="en-US" dirty="0"/>
           </a:p>
@@ -671,7 +673,7 @@
             <a:fld id="{B61BEF0D-F0BB-DE4B-95CE-6DB70DBA9567}" type="datetimeFigureOut">
               <a:rPr lang="en-US" dirty="0"/>
               <a:pPr/>
-              <a:t>10/27/2017</a:t>
+              <a:t>10/29/2017</a:t>
             </a:fld>
             <a:endParaRPr lang="en-US" dirty="0"/>
           </a:p>
@@ -1069,7 +1071,7 @@
             <a:fld id="{B61BEF0D-F0BB-DE4B-95CE-6DB70DBA9567}" type="datetimeFigureOut">
               <a:rPr lang="en-US" dirty="0"/>
               <a:pPr/>
-              <a:t>10/27/2017</a:t>
+              <a:t>10/29/2017</a:t>
             </a:fld>
             <a:endParaRPr lang="en-US" dirty="0"/>
           </a:p>
@@ -1402,7 +1404,7 @@
             <a:fld id="{B61BEF0D-F0BB-DE4B-95CE-6DB70DBA9567}" type="datetimeFigureOut">
               <a:rPr lang="en-US" dirty="0"/>
               <a:pPr/>
-              <a:t>10/27/2017</a:t>
+              <a:t>10/29/2017</a:t>
             </a:fld>
             <a:endParaRPr lang="en-US" dirty="0"/>
           </a:p>
@@ -1719,7 +1721,7 @@
             <a:fld id="{B61BEF0D-F0BB-DE4B-95CE-6DB70DBA9567}" type="datetimeFigureOut">
               <a:rPr lang="en-US" dirty="0"/>
               <a:pPr/>
-              <a:t>10/27/2017</a:t>
+              <a:t>10/29/2017</a:t>
             </a:fld>
             <a:endParaRPr lang="en-US" dirty="0"/>
           </a:p>
@@ -2112,7 +2114,7 @@
             <a:fld id="{B61BEF0D-F0BB-DE4B-95CE-6DB70DBA9567}" type="datetimeFigureOut">
               <a:rPr lang="en-US" dirty="0"/>
               <a:pPr/>
-              <a:t>10/27/2017</a:t>
+              <a:t>10/29/2017</a:t>
             </a:fld>
             <a:endParaRPr lang="en-US" dirty="0"/>
           </a:p>
@@ -2366,7 +2368,7 @@
             <a:fld id="{B61BEF0D-F0BB-DE4B-95CE-6DB70DBA9567}" type="datetimeFigureOut">
               <a:rPr lang="en-US" dirty="0"/>
               <a:pPr/>
-              <a:t>10/27/2017</a:t>
+              <a:t>10/29/2017</a:t>
             </a:fld>
             <a:endParaRPr lang="en-US" dirty="0"/>
           </a:p>
@@ -2625,7 +2627,7 @@
             <a:fld id="{B61BEF0D-F0BB-DE4B-95CE-6DB70DBA9567}" type="datetimeFigureOut">
               <a:rPr lang="en-US" dirty="0"/>
               <a:pPr/>
-              <a:t>10/27/2017</a:t>
+              <a:t>10/29/2017</a:t>
             </a:fld>
             <a:endParaRPr lang="en-US" dirty="0"/>
           </a:p>
@@ -2884,7 +2886,7 @@
             <a:fld id="{B61BEF0D-F0BB-DE4B-95CE-6DB70DBA9567}" type="datetimeFigureOut">
               <a:rPr lang="en-US" dirty="0"/>
               <a:pPr/>
-              <a:t>10/27/2017</a:t>
+              <a:t>10/29/2017</a:t>
             </a:fld>
             <a:endParaRPr lang="en-US" dirty="0"/>
           </a:p>
@@ -3210,7 +3212,7 @@
             <a:fld id="{B61BEF0D-F0BB-DE4B-95CE-6DB70DBA9567}" type="datetimeFigureOut">
               <a:rPr lang="en-US" dirty="0"/>
               <a:pPr/>
-              <a:t>10/27/2017</a:t>
+              <a:t>10/29/2017</a:t>
             </a:fld>
             <a:endParaRPr lang="en-US" dirty="0"/>
           </a:p>
@@ -3530,7 +3532,7 @@
             <a:fld id="{B61BEF0D-F0BB-DE4B-95CE-6DB70DBA9567}" type="datetimeFigureOut">
               <a:rPr lang="en-US" dirty="0"/>
               <a:pPr/>
-              <a:t>10/27/2017</a:t>
+              <a:t>10/29/2017</a:t>
             </a:fld>
             <a:endParaRPr lang="en-US" dirty="0"/>
           </a:p>
@@ -3984,7 +3986,7 @@
             <a:fld id="{B61BEF0D-F0BB-DE4B-95CE-6DB70DBA9567}" type="datetimeFigureOut">
               <a:rPr lang="en-US" dirty="0"/>
               <a:pPr/>
-              <a:t>10/27/2017</a:t>
+              <a:t>10/29/2017</a:t>
             </a:fld>
             <a:endParaRPr lang="en-US" dirty="0"/>
           </a:p>
@@ -4186,7 +4188,7 @@
             <a:fld id="{B61BEF0D-F0BB-DE4B-95CE-6DB70DBA9567}" type="datetimeFigureOut">
               <a:rPr lang="en-US" dirty="0"/>
               <a:pPr/>
-              <a:t>10/27/2017</a:t>
+              <a:t>10/29/2017</a:t>
             </a:fld>
             <a:endParaRPr lang="en-US" dirty="0"/>
           </a:p>
@@ -4360,7 +4362,7 @@
             <a:fld id="{B61BEF0D-F0BB-DE4B-95CE-6DB70DBA9567}" type="datetimeFigureOut">
               <a:rPr lang="en-US" dirty="0"/>
               <a:pPr/>
-              <a:t>10/27/2017</a:t>
+              <a:t>10/29/2017</a:t>
             </a:fld>
             <a:endParaRPr lang="en-US" dirty="0"/>
           </a:p>
@@ -4690,7 +4692,7 @@
             <a:fld id="{B61BEF0D-F0BB-DE4B-95CE-6DB70DBA9567}" type="datetimeFigureOut">
               <a:rPr lang="en-US" dirty="0"/>
               <a:pPr/>
-              <a:t>10/27/2017</a:t>
+              <a:t>10/29/2017</a:t>
             </a:fld>
             <a:endParaRPr lang="en-US" dirty="0"/>
           </a:p>
@@ -5032,7 +5034,7 @@
             <a:fld id="{B61BEF0D-F0BB-DE4B-95CE-6DB70DBA9567}" type="datetimeFigureOut">
               <a:rPr lang="en-US" dirty="0"/>
               <a:pPr/>
-              <a:t>10/27/2017</a:t>
+              <a:t>10/29/2017</a:t>
             </a:fld>
             <a:endParaRPr lang="en-US" dirty="0"/>
           </a:p>
@@ -7083,7 +7085,7 @@
             <a:fld id="{B61BEF0D-F0BB-DE4B-95CE-6DB70DBA9567}" type="datetimeFigureOut">
               <a:rPr lang="en-US" dirty="0"/>
               <a:pPr/>
-              <a:t>10/27/2017</a:t>
+              <a:t>10/29/2017</a:t>
             </a:fld>
             <a:endParaRPr lang="en-US" dirty="0"/>
           </a:p>
@@ -7671,11 +7673,11 @@
   <p:clrMapOvr>
     <a:masterClrMapping/>
   </p:clrMapOvr>
-  <mc:AlternateContent xmlns:mc="http://schemas.openxmlformats.org/markup-compatibility/2006">
-    <mc:Choice xmlns:p14="http://schemas.microsoft.com/office/powerpoint/2010/main" Requires="p14">
+  <mc:AlternateContent xmlns:mc="http://schemas.openxmlformats.org/markup-compatibility/2006" xmlns:p14="http://schemas.microsoft.com/office/powerpoint/2010/main">
+    <mc:Choice Requires="p14">
       <p:transition p14:dur="10"/>
     </mc:Choice>
-    <mc:Fallback>
+    <mc:Fallback xmlns="">
       <p:transition/>
     </mc:Fallback>
   </mc:AlternateContent>
@@ -7704,7 +7706,7 @@
           <p:cNvPr id="2" name="Title 1">
             <a:extLst>
               <a:ext uri="{FF2B5EF4-FFF2-40B4-BE49-F238E27FC236}">
-                <a16:creationId xmlns:a16="http://schemas.microsoft.com/office/drawing/2014/main" id="{A30240F2-F9D7-4ECA-B516-078C804E5688}"/>
+                <a16:creationId xmlns:a16="http://schemas.microsoft.com/office/drawing/2014/main" id="{7FD4D13C-CBFA-48FD-B82A-A03E76EAFE0E}"/>
               </a:ext>
             </a:extLst>
           </p:cNvPr>
@@ -7715,21 +7717,26 @@
             <p:ph type="title"/>
           </p:nvPr>
         </p:nvSpPr>
-        <p:spPr/>
+        <p:spPr>
+          <a:xfrm>
+            <a:off x="2592925" y="616158"/>
+            <a:ext cx="8911687" cy="1280890"/>
+          </a:xfrm>
+        </p:spPr>
         <p:txBody>
           <a:bodyPr/>
           <a:lstStyle/>
           <a:p>
             <a:r>
               <a:rPr lang="en-US" dirty="0"/>
-              <a:t>How Does It Work?:</a:t>
+              <a:t>How Does It Work?: </a:t>
             </a:r>
             <a:br>
               <a:rPr lang="en-US" dirty="0"/>
             </a:br>
             <a:r>
               <a:rPr lang="en-US" dirty="0"/>
-              <a:t>[IOI and IOC] vs [OOI and OOC]</a:t>
+              <a:t>Division and Decoupling</a:t>
             </a:r>
           </a:p>
         </p:txBody>
@@ -7739,7 +7746,7 @@
           <p:cNvPr id="3" name="Content Placeholder 2">
             <a:extLst>
               <a:ext uri="{FF2B5EF4-FFF2-40B4-BE49-F238E27FC236}">
-                <a16:creationId xmlns:a16="http://schemas.microsoft.com/office/drawing/2014/main" id="{3A04F889-FADF-448E-A8AE-803ECDCA6BD6}"/>
+                <a16:creationId xmlns:a16="http://schemas.microsoft.com/office/drawing/2014/main" id="{CCF931A1-8F4F-4FC8-8F2B-D83F4447471B}"/>
               </a:ext>
             </a:extLst>
           </p:cNvPr>
@@ -7753,50 +7760,80 @@
         <p:spPr/>
         <p:txBody>
           <a:bodyPr>
-            <a:normAutofit fontScale="92500"/>
+            <a:normAutofit lnSpcReduction="10000"/>
           </a:bodyPr>
           <a:lstStyle/>
           <a:p>
             <a:r>
-              <a:rPr lang="en-US" u="sng" dirty="0"/>
-              <a:t>In-Order Issue(IOI)</a:t>
-            </a:r>
-            <a:r>
               <a:rPr lang="en-US" dirty="0"/>
-              <a:t> and </a:t>
-            </a:r>
-            <a:r>
-              <a:rPr lang="en-US" u="sng" dirty="0"/>
-              <a:t>In-Order Completion(IOC)</a:t>
-            </a:r>
+              <a:t>To increase instruction-level-parallelism, we divide the instruction into smaller tasks and decouple them. In particular, there are three important events:</a:t>
+            </a:r>
+          </a:p>
+          <a:p>
+            <a:pPr marL="1257300" lvl="2" indent="-342900">
+              <a:buFont typeface="+mj-lt"/>
+              <a:buAutoNum type="arabicPeriod"/>
+            </a:pPr>
             <a:r>
               <a:rPr lang="en-US" dirty="0"/>
-              <a:t> follows the standard program order, and is completed in the same order (with parallel issue and completion). To guarantee results, the processor will wait when a conflict occurs and when a unit requires more than one cycle to execute. This method is not very efficient, but it simplifies the hardware requirements.</a:t>
-            </a:r>
-          </a:p>
-          <a:p>
-            <a:endParaRPr lang="en-US" u="sng" dirty="0"/>
-          </a:p>
-          <a:p>
-            <a:r>
-              <a:rPr lang="en-US" u="sng" dirty="0"/>
-              <a:t>Out-Of-Order Issue(OOI) </a:t>
-            </a:r>
+              <a:t>Instruction Issue: where an instruction is created and starts execution</a:t>
+            </a:r>
+          </a:p>
+          <a:p>
+            <a:pPr marL="1257300" lvl="2" indent="-342900">
+              <a:buFont typeface="+mj-lt"/>
+              <a:buAutoNum type="arabicPeriod"/>
+            </a:pPr>
             <a:r>
               <a:rPr lang="en-US" dirty="0"/>
-              <a:t>and </a:t>
-            </a:r>
-            <a:r>
-              <a:rPr lang="en-US" u="sng" dirty="0"/>
-              <a:t>Out-Of-Order Completion (OOC)</a:t>
-            </a:r>
+              <a:t>Instruction Completion: an instruction has been completed</a:t>
+            </a:r>
+          </a:p>
+          <a:p>
+            <a:pPr marL="1257300" lvl="2" indent="-342900">
+              <a:buFont typeface="+mj-lt"/>
+              <a:buAutoNum type="arabicPeriod"/>
+            </a:pPr>
             <a:r>
               <a:rPr lang="en-US" dirty="0"/>
-              <a:t> are the main reasons why superscalar architecture is efficient. With in-order issues, no new instruction can be introduced when the processor has detected a conflict, and the processor waits until the conflict has been resolved. However, with out-of-order completion you don’t have to rely on a compiler based technique. Instead, you can take a set of decoded instructions, in any order, and issue any of them as long as the program execution is correct.</a:t>
-            </a:r>
-          </a:p>
-          <a:p>
-            <a:endParaRPr lang="en-US" dirty="0"/>
+              <a:t>Instruction Commit: the operation results are written back to the registers</a:t>
+            </a:r>
+          </a:p>
+          <a:p>
+            <a:r>
+              <a:rPr lang="en-US" dirty="0"/>
+              <a:t>Because of the parallelism, instructions can be executed in a different order each run, but the results must be the same each time. Because of this, execution policies are used:</a:t>
+            </a:r>
+          </a:p>
+          <a:p>
+            <a:pPr marL="1257300" lvl="2" indent="-342900">
+              <a:buFont typeface="+mj-lt"/>
+              <a:buAutoNum type="arabicPeriod"/>
+            </a:pPr>
+            <a:r>
+              <a:rPr lang="en-US" dirty="0"/>
+              <a:t>In-Order Issue with In-Order Completion</a:t>
+            </a:r>
+          </a:p>
+          <a:p>
+            <a:pPr marL="1257300" lvl="2" indent="-342900">
+              <a:buFont typeface="+mj-lt"/>
+              <a:buAutoNum type="arabicPeriod"/>
+            </a:pPr>
+            <a:r>
+              <a:rPr lang="en-US" dirty="0"/>
+              <a:t>In-Order Issue with Out-Of-Order Completion</a:t>
+            </a:r>
+          </a:p>
+          <a:p>
+            <a:pPr marL="1257300" lvl="2" indent="-342900">
+              <a:buFont typeface="+mj-lt"/>
+              <a:buAutoNum type="arabicPeriod"/>
+            </a:pPr>
+            <a:r>
+              <a:rPr lang="en-US" dirty="0"/>
+              <a:t>Out-Of-Order Issue with Out-Of-Order Completion</a:t>
+            </a:r>
           </a:p>
           <a:p>
             <a:endParaRPr lang="en-US" dirty="0"/>
@@ -7806,7 +7843,7 @@
     </p:spTree>
     <p:extLst>
       <p:ext uri="{BB962C8B-B14F-4D97-AF65-F5344CB8AC3E}">
-        <p14:creationId xmlns:p14="http://schemas.microsoft.com/office/powerpoint/2010/main" val="3644132643"/>
+        <p14:creationId xmlns:p14="http://schemas.microsoft.com/office/powerpoint/2010/main" val="201082334"/>
       </p:ext>
     </p:extLst>
   </p:cSld>
@@ -7838,6 +7875,140 @@
           <p:cNvPr id="2" name="Title 1">
             <a:extLst>
               <a:ext uri="{FF2B5EF4-FFF2-40B4-BE49-F238E27FC236}">
+                <a16:creationId xmlns:a16="http://schemas.microsoft.com/office/drawing/2014/main" id="{A30240F2-F9D7-4ECA-B516-078C804E5688}"/>
+              </a:ext>
+            </a:extLst>
+          </p:cNvPr>
+          <p:cNvSpPr>
+            <a:spLocks noGrp="1"/>
+          </p:cNvSpPr>
+          <p:nvPr>
+            <p:ph type="title"/>
+          </p:nvPr>
+        </p:nvSpPr>
+        <p:spPr/>
+        <p:txBody>
+          <a:bodyPr/>
+          <a:lstStyle/>
+          <a:p>
+            <a:r>
+              <a:rPr lang="en-US" dirty="0"/>
+              <a:t>How Does It Work?:</a:t>
+            </a:r>
+            <a:br>
+              <a:rPr lang="en-US" dirty="0"/>
+            </a:br>
+            <a:r>
+              <a:rPr lang="en-US" dirty="0"/>
+              <a:t>[IOI and IOC] vs [OOI and OOC]</a:t>
+            </a:r>
+          </a:p>
+        </p:txBody>
+      </p:sp>
+      <p:sp>
+        <p:nvSpPr>
+          <p:cNvPr id="3" name="Content Placeholder 2">
+            <a:extLst>
+              <a:ext uri="{FF2B5EF4-FFF2-40B4-BE49-F238E27FC236}">
+                <a16:creationId xmlns:a16="http://schemas.microsoft.com/office/drawing/2014/main" id="{3A04F889-FADF-448E-A8AE-803ECDCA6BD6}"/>
+              </a:ext>
+            </a:extLst>
+          </p:cNvPr>
+          <p:cNvSpPr>
+            <a:spLocks noGrp="1"/>
+          </p:cNvSpPr>
+          <p:nvPr>
+            <p:ph idx="1"/>
+          </p:nvPr>
+        </p:nvSpPr>
+        <p:spPr/>
+        <p:txBody>
+          <a:bodyPr>
+            <a:normAutofit fontScale="92500"/>
+          </a:bodyPr>
+          <a:lstStyle/>
+          <a:p>
+            <a:r>
+              <a:rPr lang="en-US" u="sng" dirty="0"/>
+              <a:t>In-Order Issue(IOI)</a:t>
+            </a:r>
+            <a:r>
+              <a:rPr lang="en-US" dirty="0"/>
+              <a:t> and </a:t>
+            </a:r>
+            <a:r>
+              <a:rPr lang="en-US" u="sng" dirty="0"/>
+              <a:t>In-Order Completion(IOC)</a:t>
+            </a:r>
+            <a:r>
+              <a:rPr lang="en-US" dirty="0"/>
+              <a:t> follows the standard program order, and is completed in the same order (with parallel issue and completion). To guarantee results, the processor will wait when a conflict occurs and when a unit requires more than one cycle to execute. This method is not very efficient, but it simplifies the hardware requirements.</a:t>
+            </a:r>
+          </a:p>
+          <a:p>
+            <a:endParaRPr lang="en-US" u="sng" dirty="0"/>
+          </a:p>
+          <a:p>
+            <a:r>
+              <a:rPr lang="en-US" u="sng" dirty="0"/>
+              <a:t>Out-Of-Order Issue(OOI) </a:t>
+            </a:r>
+            <a:r>
+              <a:rPr lang="en-US" dirty="0"/>
+              <a:t>and </a:t>
+            </a:r>
+            <a:r>
+              <a:rPr lang="en-US" u="sng" dirty="0"/>
+              <a:t>Out-Of-Order Completion (OOC)</a:t>
+            </a:r>
+            <a:r>
+              <a:rPr lang="en-US" dirty="0"/>
+              <a:t> are the main reasons why superscalar architecture is efficient. With in-order issues, no new instruction can be introduced when the processor has detected a conflict, and the processor waits until the conflict has been resolved. However, with out-of-order completion you don’t have to rely on a compiler based technique. Instead, you can take a set of decoded instructions, in any order, and issue any of them as long as the program execution is correct.</a:t>
+            </a:r>
+          </a:p>
+          <a:p>
+            <a:endParaRPr lang="en-US" dirty="0"/>
+          </a:p>
+          <a:p>
+            <a:endParaRPr lang="en-US" dirty="0"/>
+          </a:p>
+        </p:txBody>
+      </p:sp>
+    </p:spTree>
+    <p:extLst>
+      <p:ext uri="{BB962C8B-B14F-4D97-AF65-F5344CB8AC3E}">
+        <p14:creationId xmlns:p14="http://schemas.microsoft.com/office/powerpoint/2010/main" val="3644132643"/>
+      </p:ext>
+    </p:extLst>
+  </p:cSld>
+  <p:clrMapOvr>
+    <a:masterClrMapping/>
+  </p:clrMapOvr>
+</p:sld>
+</file>
+
+<file path=ppt/slides/slide12.xml><?xml version="1.0" encoding="utf-8"?>
+<p:sld xmlns:a="http://schemas.openxmlformats.org/drawingml/2006/main" xmlns:r="http://schemas.openxmlformats.org/officeDocument/2006/relationships" xmlns:p="http://schemas.openxmlformats.org/presentationml/2006/main">
+  <p:cSld>
+    <p:spTree>
+      <p:nvGrpSpPr>
+        <p:cNvPr id="1" name=""/>
+        <p:cNvGrpSpPr/>
+        <p:nvPr/>
+      </p:nvGrpSpPr>
+      <p:grpSpPr>
+        <a:xfrm>
+          <a:off x="0" y="0"/>
+          <a:ext cx="0" cy="0"/>
+          <a:chOff x="0" y="0"/>
+          <a:chExt cx="0" cy="0"/>
+        </a:xfrm>
+      </p:grpSpPr>
+      <p:sp>
+        <p:nvSpPr>
+          <p:cNvPr id="2" name="Title 1">
+            <a:extLst>
+              <a:ext uri="{FF2B5EF4-FFF2-40B4-BE49-F238E27FC236}">
                 <a16:creationId xmlns:a16="http://schemas.microsoft.com/office/drawing/2014/main" id="{925C13BF-32C5-42D9-8507-AFDCA1640C14}"/>
               </a:ext>
             </a:extLst>
@@ -7984,7 +8155,7 @@
 </p:sld>
 </file>
 
-<file path=ppt/slides/slide12.xml><?xml version="1.0" encoding="utf-8"?>
+<file path=ppt/slides/slide13.xml><?xml version="1.0" encoding="utf-8"?>
 <p:sld xmlns:a="http://schemas.openxmlformats.org/drawingml/2006/main" xmlns:r="http://schemas.openxmlformats.org/officeDocument/2006/relationships" xmlns:p="http://schemas.openxmlformats.org/presentationml/2006/main">
   <p:cSld>
     <p:spTree>
@@ -8157,6 +8328,126 @@
           <p:cNvPr id="2" name="Title 1">
             <a:extLst>
               <a:ext uri="{FF2B5EF4-FFF2-40B4-BE49-F238E27FC236}">
+                <a16:creationId xmlns:a16="http://schemas.microsoft.com/office/drawing/2014/main" id="{8820630A-9820-4B94-854E-50B637C68623}"/>
+              </a:ext>
+            </a:extLst>
+          </p:cNvPr>
+          <p:cNvSpPr>
+            <a:spLocks noGrp="1"/>
+          </p:cNvSpPr>
+          <p:nvPr>
+            <p:ph type="title"/>
+          </p:nvPr>
+        </p:nvSpPr>
+        <p:spPr>
+          <a:xfrm>
+            <a:off x="2592925" y="624110"/>
+            <a:ext cx="8911687" cy="1280890"/>
+          </a:xfrm>
+        </p:spPr>
+        <p:txBody>
+          <a:bodyPr/>
+          <a:lstStyle/>
+          <a:p>
+            <a:r>
+              <a:rPr lang="en-US" dirty="0"/>
+              <a:t>Presentation Aims</a:t>
+            </a:r>
+          </a:p>
+        </p:txBody>
+      </p:sp>
+      <p:sp>
+        <p:nvSpPr>
+          <p:cNvPr id="3" name="Content Placeholder 2">
+            <a:extLst>
+              <a:ext uri="{FF2B5EF4-FFF2-40B4-BE49-F238E27FC236}">
+                <a16:creationId xmlns:a16="http://schemas.microsoft.com/office/drawing/2014/main" id="{83BA5789-519C-4077-B9E0-0E58066EBAF5}"/>
+              </a:ext>
+            </a:extLst>
+          </p:cNvPr>
+          <p:cNvSpPr>
+            <a:spLocks noGrp="1"/>
+          </p:cNvSpPr>
+          <p:nvPr>
+            <p:ph idx="1"/>
+          </p:nvPr>
+        </p:nvSpPr>
+        <p:spPr>
+          <a:xfrm>
+            <a:off x="2589212" y="2847475"/>
+            <a:ext cx="8915400" cy="2005263"/>
+          </a:xfrm>
+        </p:spPr>
+        <p:txBody>
+          <a:bodyPr/>
+          <a:lstStyle/>
+          <a:p>
+            <a:r>
+              <a:rPr lang="en-US" dirty="0"/>
+              <a:t>Introduction – What and Why?</a:t>
+            </a:r>
+          </a:p>
+          <a:p>
+            <a:r>
+              <a:rPr lang="en-US" dirty="0"/>
+              <a:t>Key Features</a:t>
+            </a:r>
+          </a:p>
+          <a:p>
+            <a:r>
+              <a:rPr lang="en-US" dirty="0"/>
+              <a:t>Limitations</a:t>
+            </a:r>
+          </a:p>
+          <a:p>
+            <a:r>
+              <a:rPr lang="en-US" dirty="0"/>
+              <a:t>Overview of Process</a:t>
+            </a:r>
+          </a:p>
+          <a:p>
+            <a:r>
+              <a:rPr lang="en-US" dirty="0"/>
+              <a:t>Conclusions</a:t>
+            </a:r>
+          </a:p>
+        </p:txBody>
+      </p:sp>
+    </p:spTree>
+    <p:extLst>
+      <p:ext uri="{BB962C8B-B14F-4D97-AF65-F5344CB8AC3E}">
+        <p14:creationId xmlns:p14="http://schemas.microsoft.com/office/powerpoint/2010/main" val="3978645284"/>
+      </p:ext>
+    </p:extLst>
+  </p:cSld>
+  <p:clrMapOvr>
+    <a:masterClrMapping/>
+  </p:clrMapOvr>
+</p:sld>
+</file>
+
+<file path=ppt/slides/slide3.xml><?xml version="1.0" encoding="utf-8"?>
+<p:sld xmlns:a="http://schemas.openxmlformats.org/drawingml/2006/main" xmlns:r="http://schemas.openxmlformats.org/officeDocument/2006/relationships" xmlns:p="http://schemas.openxmlformats.org/presentationml/2006/main">
+  <p:cSld>
+    <p:spTree>
+      <p:nvGrpSpPr>
+        <p:cNvPr id="1" name=""/>
+        <p:cNvGrpSpPr/>
+        <p:nvPr/>
+      </p:nvGrpSpPr>
+      <p:grpSpPr>
+        <a:xfrm>
+          <a:off x="0" y="0"/>
+          <a:ext cx="0" cy="0"/>
+          <a:chOff x="0" y="0"/>
+          <a:chExt cx="0" cy="0"/>
+        </a:xfrm>
+      </p:grpSpPr>
+      <p:sp>
+        <p:nvSpPr>
+          <p:cNvPr id="2" name="Title 1">
+            <a:extLst>
+              <a:ext uri="{FF2B5EF4-FFF2-40B4-BE49-F238E27FC236}">
                 <a16:creationId xmlns:a16="http://schemas.microsoft.com/office/drawing/2014/main" id="{DDB02A24-E0B8-419F-8C43-C32A1916BBC4}"/>
               </a:ext>
             </a:extLst>
@@ -8254,7 +8545,7 @@
 </p:sld>
 </file>
 
-<file path=ppt/slides/slide3.xml><?xml version="1.0" encoding="utf-8"?>
+<file path=ppt/slides/slide4.xml><?xml version="1.0" encoding="utf-8"?>
 <p:sld xmlns:a="http://schemas.openxmlformats.org/drawingml/2006/main" xmlns:r="http://schemas.openxmlformats.org/officeDocument/2006/relationships" xmlns:p="http://schemas.openxmlformats.org/presentationml/2006/main">
   <p:cSld>
     <p:bg>
@@ -8806,7 +9097,7 @@
 </p:sld>
 </file>
 
-<file path=ppt/slides/slide4.xml><?xml version="1.0" encoding="utf-8"?>
+<file path=ppt/slides/slide5.xml><?xml version="1.0" encoding="utf-8"?>
 <p:sld xmlns:a="http://schemas.openxmlformats.org/drawingml/2006/main" xmlns:r="http://schemas.openxmlformats.org/officeDocument/2006/relationships" xmlns:p="http://schemas.openxmlformats.org/presentationml/2006/main">
   <p:cSld>
     <p:bg>
@@ -9397,7 +9688,7 @@
 </p:sld>
 </file>
 
-<file path=ppt/slides/slide5.xml><?xml version="1.0" encoding="utf-8"?>
+<file path=ppt/slides/slide6.xml><?xml version="1.0" encoding="utf-8"?>
 <p:sld xmlns:a="http://schemas.openxmlformats.org/drawingml/2006/main" xmlns:r="http://schemas.openxmlformats.org/officeDocument/2006/relationships" xmlns:p="http://schemas.openxmlformats.org/presentationml/2006/main">
   <p:cSld>
     <p:spTree>
@@ -9526,7 +9817,7 @@
 </p:sld>
 </file>
 
-<file path=ppt/slides/slide6.xml><?xml version="1.0" encoding="utf-8"?>
+<file path=ppt/slides/slide7.xml><?xml version="1.0" encoding="utf-8"?>
 <p:sld xmlns:a="http://schemas.openxmlformats.org/drawingml/2006/main" xmlns:r="http://schemas.openxmlformats.org/officeDocument/2006/relationships" xmlns:p="http://schemas.openxmlformats.org/presentationml/2006/main">
   <p:cSld>
     <p:bg>
@@ -10081,7 +10372,7 @@
 </p:sld>
 </file>
 
-<file path=ppt/slides/slide7.xml><?xml version="1.0" encoding="utf-8"?>
+<file path=ppt/slides/slide8.xml><?xml version="1.0" encoding="utf-8"?>
 <p:sld xmlns:a="http://schemas.openxmlformats.org/drawingml/2006/main" xmlns:r="http://schemas.openxmlformats.org/officeDocument/2006/relationships" xmlns:p="http://schemas.openxmlformats.org/presentationml/2006/main">
   <p:cSld>
     <p:bg>
@@ -10642,7 +10933,7 @@
 </p:sld>
 </file>
 
-<file path=ppt/slides/slide8.xml><?xml version="1.0" encoding="utf-8"?>
+<file path=ppt/slides/slide9.xml><?xml version="1.0" encoding="utf-8"?>
 <p:sld xmlns:a="http://schemas.openxmlformats.org/drawingml/2006/main" xmlns:r="http://schemas.openxmlformats.org/officeDocument/2006/relationships" xmlns:p="http://schemas.openxmlformats.org/presentationml/2006/main">
   <p:cSld>
     <p:bg>
@@ -11146,175 +11437,6 @@
     <p:extLst>
       <p:ext uri="{BB962C8B-B14F-4D97-AF65-F5344CB8AC3E}">
         <p14:creationId xmlns:p14="http://schemas.microsoft.com/office/powerpoint/2010/main" val="4138714619"/>
-      </p:ext>
-    </p:extLst>
-  </p:cSld>
-  <p:clrMapOvr>
-    <a:masterClrMapping/>
-  </p:clrMapOvr>
-</p:sld>
-</file>
-
-<file path=ppt/slides/slide9.xml><?xml version="1.0" encoding="utf-8"?>
-<p:sld xmlns:a="http://schemas.openxmlformats.org/drawingml/2006/main" xmlns:r="http://schemas.openxmlformats.org/officeDocument/2006/relationships" xmlns:p="http://schemas.openxmlformats.org/presentationml/2006/main">
-  <p:cSld>
-    <p:spTree>
-      <p:nvGrpSpPr>
-        <p:cNvPr id="1" name=""/>
-        <p:cNvGrpSpPr/>
-        <p:nvPr/>
-      </p:nvGrpSpPr>
-      <p:grpSpPr>
-        <a:xfrm>
-          <a:off x="0" y="0"/>
-          <a:ext cx="0" cy="0"/>
-          <a:chOff x="0" y="0"/>
-          <a:chExt cx="0" cy="0"/>
-        </a:xfrm>
-      </p:grpSpPr>
-      <p:sp>
-        <p:nvSpPr>
-          <p:cNvPr id="2" name="Title 1">
-            <a:extLst>
-              <a:ext uri="{FF2B5EF4-FFF2-40B4-BE49-F238E27FC236}">
-                <a16:creationId xmlns:a16="http://schemas.microsoft.com/office/drawing/2014/main" id="{7FD4D13C-CBFA-48FD-B82A-A03E76EAFE0E}"/>
-              </a:ext>
-            </a:extLst>
-          </p:cNvPr>
-          <p:cNvSpPr>
-            <a:spLocks noGrp="1"/>
-          </p:cNvSpPr>
-          <p:nvPr>
-            <p:ph type="title"/>
-          </p:nvPr>
-        </p:nvSpPr>
-        <p:spPr>
-          <a:xfrm>
-            <a:off x="2592925" y="616158"/>
-            <a:ext cx="8911687" cy="1280890"/>
-          </a:xfrm>
-        </p:spPr>
-        <p:txBody>
-          <a:bodyPr/>
-          <a:lstStyle/>
-          <a:p>
-            <a:r>
-              <a:rPr lang="en-US" dirty="0"/>
-              <a:t>How Does It Work?: </a:t>
-            </a:r>
-            <a:br>
-              <a:rPr lang="en-US" dirty="0"/>
-            </a:br>
-            <a:r>
-              <a:rPr lang="en-US" dirty="0"/>
-              <a:t>Division and Decoupling</a:t>
-            </a:r>
-          </a:p>
-        </p:txBody>
-      </p:sp>
-      <p:sp>
-        <p:nvSpPr>
-          <p:cNvPr id="3" name="Content Placeholder 2">
-            <a:extLst>
-              <a:ext uri="{FF2B5EF4-FFF2-40B4-BE49-F238E27FC236}">
-                <a16:creationId xmlns:a16="http://schemas.microsoft.com/office/drawing/2014/main" id="{CCF931A1-8F4F-4FC8-8F2B-D83F4447471B}"/>
-              </a:ext>
-            </a:extLst>
-          </p:cNvPr>
-          <p:cNvSpPr>
-            <a:spLocks noGrp="1"/>
-          </p:cNvSpPr>
-          <p:nvPr>
-            <p:ph idx="1"/>
-          </p:nvPr>
-        </p:nvSpPr>
-        <p:spPr/>
-        <p:txBody>
-          <a:bodyPr>
-            <a:normAutofit lnSpcReduction="10000"/>
-          </a:bodyPr>
-          <a:lstStyle/>
-          <a:p>
-            <a:r>
-              <a:rPr lang="en-US" dirty="0"/>
-              <a:t>To increase instruction-level-parallelism, we divide the instruction into smaller tasks and decouple them. In particular, there are three important events:</a:t>
-            </a:r>
-          </a:p>
-          <a:p>
-            <a:pPr marL="1257300" lvl="2" indent="-342900">
-              <a:buFont typeface="+mj-lt"/>
-              <a:buAutoNum type="arabicPeriod"/>
-            </a:pPr>
-            <a:r>
-              <a:rPr lang="en-US" dirty="0"/>
-              <a:t>Instruction Issue: where an instruction is created and starts execution</a:t>
-            </a:r>
-          </a:p>
-          <a:p>
-            <a:pPr marL="1257300" lvl="2" indent="-342900">
-              <a:buFont typeface="+mj-lt"/>
-              <a:buAutoNum type="arabicPeriod"/>
-            </a:pPr>
-            <a:r>
-              <a:rPr lang="en-US" dirty="0"/>
-              <a:t>Instruction Completion: an instruction has been completed</a:t>
-            </a:r>
-          </a:p>
-          <a:p>
-            <a:pPr marL="1257300" lvl="2" indent="-342900">
-              <a:buFont typeface="+mj-lt"/>
-              <a:buAutoNum type="arabicPeriod"/>
-            </a:pPr>
-            <a:r>
-              <a:rPr lang="en-US" dirty="0"/>
-              <a:t>Instruction Commit: the operation results are written back to the registers</a:t>
-            </a:r>
-          </a:p>
-          <a:p>
-            <a:r>
-              <a:rPr lang="en-US" dirty="0"/>
-              <a:t>Because of the parallelism, instructions can be executed in a different order each run, but the results must be the same each time. Because of this, execution policies are used:</a:t>
-            </a:r>
-          </a:p>
-          <a:p>
-            <a:pPr marL="1257300" lvl="2" indent="-342900">
-              <a:buFont typeface="+mj-lt"/>
-              <a:buAutoNum type="arabicPeriod"/>
-            </a:pPr>
-            <a:r>
-              <a:rPr lang="en-US" dirty="0"/>
-              <a:t>In-Order Issue with In-Order Completion</a:t>
-            </a:r>
-          </a:p>
-          <a:p>
-            <a:pPr marL="1257300" lvl="2" indent="-342900">
-              <a:buFont typeface="+mj-lt"/>
-              <a:buAutoNum type="arabicPeriod"/>
-            </a:pPr>
-            <a:r>
-              <a:rPr lang="en-US" dirty="0"/>
-              <a:t>In-Order Issue with Out-Of-Order Completion</a:t>
-            </a:r>
-          </a:p>
-          <a:p>
-            <a:pPr marL="1257300" lvl="2" indent="-342900">
-              <a:buFont typeface="+mj-lt"/>
-              <a:buAutoNum type="arabicPeriod"/>
-            </a:pPr>
-            <a:r>
-              <a:rPr lang="en-US" dirty="0"/>
-              <a:t>Out-Of-Order Issue with Out-Of-Order Completion</a:t>
-            </a:r>
-          </a:p>
-          <a:p>
-            <a:endParaRPr lang="en-US" dirty="0"/>
-          </a:p>
-        </p:txBody>
-      </p:sp>
-    </p:spTree>
-    <p:extLst>
-      <p:ext uri="{BB962C8B-B14F-4D97-AF65-F5344CB8AC3E}">
-        <p14:creationId xmlns:p14="http://schemas.microsoft.com/office/powerpoint/2010/main" val="201082334"/>
       </p:ext>
     </p:extLst>
   </p:cSld>

--- a/CS3340 - Computer Architecture/hw5/mgm160130.pptx
+++ b/CS3340 - Computer Architecture/hw5/mgm160130.pptx
@@ -338,7 +338,7 @@
             <a:fld id="{B61BEF0D-F0BB-DE4B-95CE-6DB70DBA9567}" type="datetimeFigureOut">
               <a:rPr lang="en-US" dirty="0"/>
               <a:pPr/>
-              <a:t>10/29/2017</a:t>
+              <a:t>11/1/2017</a:t>
             </a:fld>
             <a:endParaRPr lang="en-US" dirty="0"/>
           </a:p>
@@ -673,7 +673,7 @@
             <a:fld id="{B61BEF0D-F0BB-DE4B-95CE-6DB70DBA9567}" type="datetimeFigureOut">
               <a:rPr lang="en-US" dirty="0"/>
               <a:pPr/>
-              <a:t>10/29/2017</a:t>
+              <a:t>11/1/2017</a:t>
             </a:fld>
             <a:endParaRPr lang="en-US" dirty="0"/>
           </a:p>
@@ -1071,7 +1071,7 @@
             <a:fld id="{B61BEF0D-F0BB-DE4B-95CE-6DB70DBA9567}" type="datetimeFigureOut">
               <a:rPr lang="en-US" dirty="0"/>
               <a:pPr/>
-              <a:t>10/29/2017</a:t>
+              <a:t>11/1/2017</a:t>
             </a:fld>
             <a:endParaRPr lang="en-US" dirty="0"/>
           </a:p>
@@ -1404,7 +1404,7 @@
             <a:fld id="{B61BEF0D-F0BB-DE4B-95CE-6DB70DBA9567}" type="datetimeFigureOut">
               <a:rPr lang="en-US" dirty="0"/>
               <a:pPr/>
-              <a:t>10/29/2017</a:t>
+              <a:t>11/1/2017</a:t>
             </a:fld>
             <a:endParaRPr lang="en-US" dirty="0"/>
           </a:p>
@@ -1721,7 +1721,7 @@
             <a:fld id="{B61BEF0D-F0BB-DE4B-95CE-6DB70DBA9567}" type="datetimeFigureOut">
               <a:rPr lang="en-US" dirty="0"/>
               <a:pPr/>
-              <a:t>10/29/2017</a:t>
+              <a:t>11/1/2017</a:t>
             </a:fld>
             <a:endParaRPr lang="en-US" dirty="0"/>
           </a:p>
@@ -2114,7 +2114,7 @@
             <a:fld id="{B61BEF0D-F0BB-DE4B-95CE-6DB70DBA9567}" type="datetimeFigureOut">
               <a:rPr lang="en-US" dirty="0"/>
               <a:pPr/>
-              <a:t>10/29/2017</a:t>
+              <a:t>11/1/2017</a:t>
             </a:fld>
             <a:endParaRPr lang="en-US" dirty="0"/>
           </a:p>
@@ -2368,7 +2368,7 @@
             <a:fld id="{B61BEF0D-F0BB-DE4B-95CE-6DB70DBA9567}" type="datetimeFigureOut">
               <a:rPr lang="en-US" dirty="0"/>
               <a:pPr/>
-              <a:t>10/29/2017</a:t>
+              <a:t>11/1/2017</a:t>
             </a:fld>
             <a:endParaRPr lang="en-US" dirty="0"/>
           </a:p>
@@ -2627,7 +2627,7 @@
             <a:fld id="{B61BEF0D-F0BB-DE4B-95CE-6DB70DBA9567}" type="datetimeFigureOut">
               <a:rPr lang="en-US" dirty="0"/>
               <a:pPr/>
-              <a:t>10/29/2017</a:t>
+              <a:t>11/1/2017</a:t>
             </a:fld>
             <a:endParaRPr lang="en-US" dirty="0"/>
           </a:p>
@@ -2886,7 +2886,7 @@
             <a:fld id="{B61BEF0D-F0BB-DE4B-95CE-6DB70DBA9567}" type="datetimeFigureOut">
               <a:rPr lang="en-US" dirty="0"/>
               <a:pPr/>
-              <a:t>10/29/2017</a:t>
+              <a:t>11/1/2017</a:t>
             </a:fld>
             <a:endParaRPr lang="en-US" dirty="0"/>
           </a:p>
@@ -3212,7 +3212,7 @@
             <a:fld id="{B61BEF0D-F0BB-DE4B-95CE-6DB70DBA9567}" type="datetimeFigureOut">
               <a:rPr lang="en-US" dirty="0"/>
               <a:pPr/>
-              <a:t>10/29/2017</a:t>
+              <a:t>11/1/2017</a:t>
             </a:fld>
             <a:endParaRPr lang="en-US" dirty="0"/>
           </a:p>
@@ -3532,7 +3532,7 @@
             <a:fld id="{B61BEF0D-F0BB-DE4B-95CE-6DB70DBA9567}" type="datetimeFigureOut">
               <a:rPr lang="en-US" dirty="0"/>
               <a:pPr/>
-              <a:t>10/29/2017</a:t>
+              <a:t>11/1/2017</a:t>
             </a:fld>
             <a:endParaRPr lang="en-US" dirty="0"/>
           </a:p>
@@ -3986,7 +3986,7 @@
             <a:fld id="{B61BEF0D-F0BB-DE4B-95CE-6DB70DBA9567}" type="datetimeFigureOut">
               <a:rPr lang="en-US" dirty="0"/>
               <a:pPr/>
-              <a:t>10/29/2017</a:t>
+              <a:t>11/1/2017</a:t>
             </a:fld>
             <a:endParaRPr lang="en-US" dirty="0"/>
           </a:p>
@@ -4188,7 +4188,7 @@
             <a:fld id="{B61BEF0D-F0BB-DE4B-95CE-6DB70DBA9567}" type="datetimeFigureOut">
               <a:rPr lang="en-US" dirty="0"/>
               <a:pPr/>
-              <a:t>10/29/2017</a:t>
+              <a:t>11/1/2017</a:t>
             </a:fld>
             <a:endParaRPr lang="en-US" dirty="0"/>
           </a:p>
@@ -4362,7 +4362,7 @@
             <a:fld id="{B61BEF0D-F0BB-DE4B-95CE-6DB70DBA9567}" type="datetimeFigureOut">
               <a:rPr lang="en-US" dirty="0"/>
               <a:pPr/>
-              <a:t>10/29/2017</a:t>
+              <a:t>11/1/2017</a:t>
             </a:fld>
             <a:endParaRPr lang="en-US" dirty="0"/>
           </a:p>
@@ -4692,7 +4692,7 @@
             <a:fld id="{B61BEF0D-F0BB-DE4B-95CE-6DB70DBA9567}" type="datetimeFigureOut">
               <a:rPr lang="en-US" dirty="0"/>
               <a:pPr/>
-              <a:t>10/29/2017</a:t>
+              <a:t>11/1/2017</a:t>
             </a:fld>
             <a:endParaRPr lang="en-US" dirty="0"/>
           </a:p>
@@ -5034,7 +5034,7 @@
             <a:fld id="{B61BEF0D-F0BB-DE4B-95CE-6DB70DBA9567}" type="datetimeFigureOut">
               <a:rPr lang="en-US" dirty="0"/>
               <a:pPr/>
-              <a:t>10/29/2017</a:t>
+              <a:t>11/1/2017</a:t>
             </a:fld>
             <a:endParaRPr lang="en-US" dirty="0"/>
           </a:p>
@@ -7085,7 +7085,7 @@
             <a:fld id="{B61BEF0D-F0BB-DE4B-95CE-6DB70DBA9567}" type="datetimeFigureOut">
               <a:rPr lang="en-US" dirty="0"/>
               <a:pPr/>
-              <a:t>10/29/2017</a:t>
+              <a:t>11/1/2017</a:t>
             </a:fld>
             <a:endParaRPr lang="en-US" dirty="0"/>
           </a:p>
@@ -9596,13 +9596,15 @@
             </a:r>
             <a:r>
               <a:rPr lang="en-US" dirty="0"/>
-              <a:t> divides the stages of a normal pipeline into several sub-stages, increasing the number of instructions that are handled at each stage. If you were to divide each stage into two sub-stages, the pipeline can perform at twice of the original speed. This amount increases by 2x each time you split the piping phase without extra hardware.</a:t>
-            </a:r>
-          </a:p>
-          <a:p>
+              <a:t> divides the stages of a normal pipeline into several sub-stages, increasing the number of instructions that are handled at each stage. If you were to divide each stage into two sub-stages, the pipeline can perform at twice of the original </a:t>
+            </a:r>
+            <a:r>
+              <a:rPr lang="en-US"/>
+              <a:t>speed. Benefits </a:t>
+            </a:r>
             <a:r>
               <a:rPr lang="en-US" dirty="0"/>
-              <a:t>Benefits Include:</a:t>
+              <a:t>Include:</a:t>
             </a:r>
           </a:p>
           <a:p>
@@ -10301,13 +10303,13 @@
         </p:spPr>
         <p:txBody>
           <a:bodyPr>
-            <a:normAutofit/>
+            <a:normAutofit lnSpcReduction="10000"/>
           </a:bodyPr>
           <a:lstStyle/>
           <a:p>
             <a:r>
               <a:rPr lang="en-US" dirty="0"/>
-              <a:t>Resource Conflicts occur when several instructions compete for the same hardware resource at the same time. i.e., two instructions need the same unit for execution. Sometimes this is also known as structural hazards in pipelines.</a:t>
+              <a:t>Resource Conflicts occur when several instructions compete for the same hardware resource at the same time. i.e., two instructions may attempt to read and write to a register at the same time. Sometimes this is also known as structural hazards in pipelines.</a:t>
             </a:r>
           </a:p>
           <a:p>
@@ -10863,7 +10865,7 @@
           <a:p>
             <a:r>
               <a:rPr lang="en-US" dirty="0"/>
-              <a:t>Also known as procedural dependencies, these dependencies are typically caused by the presence of branches while trying to assure optimal parallelism. This is also similar to control hazards in pipelines.</a:t>
+              <a:t>Also known as procedural dependencies, these dependencies are typically caused by the presence of branches while trying to assure optimal parallelism. i.e. the needed instruction is not yet available. This is also similar to control hazards in pipelines.</a:t>
             </a:r>
           </a:p>
           <a:p>
